--- a/figures/Chapter 5 - Hashing/5.7 Collision Resolution - Cuckoo Hashing.pptx
+++ b/figures/Chapter 5 - Hashing/5.7 Collision Resolution - Cuckoo Hashing.pptx
@@ -166,10 +166,9 @@
           <a:lstStyle/>
           <a:p>
             <a:r>
-              <a:rPr lang="en-US" smtClean="0"/>
+              <a:rPr lang="en-US"/>
               <a:t>Click to edit Master title style</a:t>
             </a:r>
-            <a:endParaRPr lang="en-US"/>
           </a:p>
         </p:txBody>
       </p:sp>
@@ -285,10 +284,9 @@
           </a:lstStyle>
           <a:p>
             <a:r>
-              <a:rPr lang="en-US" smtClean="0"/>
+              <a:rPr lang="en-US"/>
               <a:t>Click to edit Master subtitle style</a:t>
             </a:r>
-            <a:endParaRPr lang="en-US"/>
           </a:p>
         </p:txBody>
       </p:sp>
@@ -309,7 +307,7 @@
           <a:p>
             <a:fld id="{68F71419-1986-3443-8BC6-04B219337770}" type="datetimeFigureOut">
               <a:rPr lang="en-US" smtClean="0"/>
-              <a:t>9/13/16</a:t>
+              <a:t>5/8/18</a:t>
             </a:fld>
             <a:endParaRPr lang="en-US"/>
           </a:p>
@@ -403,10 +401,9 @@
           <a:lstStyle/>
           <a:p>
             <a:r>
-              <a:rPr lang="en-US" smtClean="0"/>
+              <a:rPr lang="en-US"/>
               <a:t>Click to edit Master title style</a:t>
             </a:r>
-            <a:endParaRPr lang="en-US"/>
           </a:p>
         </p:txBody>
       </p:sp>
@@ -427,38 +424,37 @@
           <a:p>
             <a:pPr lvl="0"/>
             <a:r>
-              <a:rPr lang="en-US" smtClean="0"/>
+              <a:rPr lang="en-US"/>
               <a:t>Click to edit Master text styles</a:t>
             </a:r>
           </a:p>
           <a:p>
             <a:pPr lvl="1"/>
             <a:r>
-              <a:rPr lang="en-US" smtClean="0"/>
+              <a:rPr lang="en-US"/>
               <a:t>Second level</a:t>
             </a:r>
           </a:p>
           <a:p>
             <a:pPr lvl="2"/>
             <a:r>
-              <a:rPr lang="en-US" smtClean="0"/>
+              <a:rPr lang="en-US"/>
               <a:t>Third level</a:t>
             </a:r>
           </a:p>
           <a:p>
             <a:pPr lvl="3"/>
             <a:r>
-              <a:rPr lang="en-US" smtClean="0"/>
+              <a:rPr lang="en-US"/>
               <a:t>Fourth level</a:t>
             </a:r>
           </a:p>
           <a:p>
             <a:pPr lvl="4"/>
             <a:r>
-              <a:rPr lang="en-US" smtClean="0"/>
+              <a:rPr lang="en-US"/>
               <a:t>Fifth level</a:t>
             </a:r>
-            <a:endParaRPr lang="en-US"/>
           </a:p>
         </p:txBody>
       </p:sp>
@@ -479,7 +475,7 @@
           <a:p>
             <a:fld id="{68F71419-1986-3443-8BC6-04B219337770}" type="datetimeFigureOut">
               <a:rPr lang="en-US" smtClean="0"/>
-              <a:t>9/13/16</a:t>
+              <a:t>5/8/18</a:t>
             </a:fld>
             <a:endParaRPr lang="en-US"/>
           </a:p>
@@ -578,10 +574,9 @@
           <a:lstStyle/>
           <a:p>
             <a:r>
-              <a:rPr lang="en-US" smtClean="0"/>
+              <a:rPr lang="en-US"/>
               <a:t>Click to edit Master title style</a:t>
             </a:r>
-            <a:endParaRPr lang="en-US"/>
           </a:p>
         </p:txBody>
       </p:sp>
@@ -607,38 +602,37 @@
           <a:p>
             <a:pPr lvl="0"/>
             <a:r>
-              <a:rPr lang="en-US" smtClean="0"/>
+              <a:rPr lang="en-US"/>
               <a:t>Click to edit Master text styles</a:t>
             </a:r>
           </a:p>
           <a:p>
             <a:pPr lvl="1"/>
             <a:r>
-              <a:rPr lang="en-US" smtClean="0"/>
+              <a:rPr lang="en-US"/>
               <a:t>Second level</a:t>
             </a:r>
           </a:p>
           <a:p>
             <a:pPr lvl="2"/>
             <a:r>
-              <a:rPr lang="en-US" smtClean="0"/>
+              <a:rPr lang="en-US"/>
               <a:t>Third level</a:t>
             </a:r>
           </a:p>
           <a:p>
             <a:pPr lvl="3"/>
             <a:r>
-              <a:rPr lang="en-US" smtClean="0"/>
+              <a:rPr lang="en-US"/>
               <a:t>Fourth level</a:t>
             </a:r>
           </a:p>
           <a:p>
             <a:pPr lvl="4"/>
             <a:r>
-              <a:rPr lang="en-US" smtClean="0"/>
+              <a:rPr lang="en-US"/>
               <a:t>Fifth level</a:t>
             </a:r>
-            <a:endParaRPr lang="en-US"/>
           </a:p>
         </p:txBody>
       </p:sp>
@@ -659,7 +653,7 @@
           <a:p>
             <a:fld id="{68F71419-1986-3443-8BC6-04B219337770}" type="datetimeFigureOut">
               <a:rPr lang="en-US" smtClean="0"/>
-              <a:t>9/13/16</a:t>
+              <a:t>5/8/18</a:t>
             </a:fld>
             <a:endParaRPr lang="en-US"/>
           </a:p>
@@ -753,10 +747,9 @@
           <a:lstStyle/>
           <a:p>
             <a:r>
-              <a:rPr lang="en-US" smtClean="0"/>
+              <a:rPr lang="en-US"/>
               <a:t>Click to edit Master title style</a:t>
             </a:r>
-            <a:endParaRPr lang="en-US"/>
           </a:p>
         </p:txBody>
       </p:sp>
@@ -777,38 +770,37 @@
           <a:p>
             <a:pPr lvl="0"/>
             <a:r>
-              <a:rPr lang="en-US" smtClean="0"/>
+              <a:rPr lang="en-US"/>
               <a:t>Click to edit Master text styles</a:t>
             </a:r>
           </a:p>
           <a:p>
             <a:pPr lvl="1"/>
             <a:r>
-              <a:rPr lang="en-US" smtClean="0"/>
+              <a:rPr lang="en-US"/>
               <a:t>Second level</a:t>
             </a:r>
           </a:p>
           <a:p>
             <a:pPr lvl="2"/>
             <a:r>
-              <a:rPr lang="en-US" smtClean="0"/>
+              <a:rPr lang="en-US"/>
               <a:t>Third level</a:t>
             </a:r>
           </a:p>
           <a:p>
             <a:pPr lvl="3"/>
             <a:r>
-              <a:rPr lang="en-US" smtClean="0"/>
+              <a:rPr lang="en-US"/>
               <a:t>Fourth level</a:t>
             </a:r>
           </a:p>
           <a:p>
             <a:pPr lvl="4"/>
             <a:r>
-              <a:rPr lang="en-US" smtClean="0"/>
+              <a:rPr lang="en-US"/>
               <a:t>Fifth level</a:t>
             </a:r>
-            <a:endParaRPr lang="en-US"/>
           </a:p>
         </p:txBody>
       </p:sp>
@@ -829,7 +821,7 @@
           <a:p>
             <a:fld id="{68F71419-1986-3443-8BC6-04B219337770}" type="datetimeFigureOut">
               <a:rPr lang="en-US" smtClean="0"/>
-              <a:t>9/13/16</a:t>
+              <a:t>5/8/18</a:t>
             </a:fld>
             <a:endParaRPr lang="en-US"/>
           </a:p>
@@ -932,10 +924,9 @@
           </a:lstStyle>
           <a:p>
             <a:r>
-              <a:rPr lang="en-US" smtClean="0"/>
+              <a:rPr lang="en-US"/>
               <a:t>Click to edit Master title style</a:t>
             </a:r>
-            <a:endParaRPr lang="en-US"/>
           </a:p>
         </p:txBody>
       </p:sp>
@@ -1052,7 +1043,7 @@
           <a:p>
             <a:pPr lvl="0"/>
             <a:r>
-              <a:rPr lang="en-US" smtClean="0"/>
+              <a:rPr lang="en-US"/>
               <a:t>Click to edit Master text styles</a:t>
             </a:r>
           </a:p>
@@ -1075,7 +1066,7 @@
           <a:p>
             <a:fld id="{68F71419-1986-3443-8BC6-04B219337770}" type="datetimeFigureOut">
               <a:rPr lang="en-US" smtClean="0"/>
-              <a:t>9/13/16</a:t>
+              <a:t>5/8/18</a:t>
             </a:fld>
             <a:endParaRPr lang="en-US"/>
           </a:p>
@@ -1169,10 +1160,9 @@
           <a:lstStyle/>
           <a:p>
             <a:r>
-              <a:rPr lang="en-US" smtClean="0"/>
+              <a:rPr lang="en-US"/>
               <a:t>Click to edit Master title style</a:t>
             </a:r>
-            <a:endParaRPr lang="en-US"/>
           </a:p>
         </p:txBody>
       </p:sp>
@@ -1226,38 +1216,37 @@
           <a:p>
             <a:pPr lvl="0"/>
             <a:r>
-              <a:rPr lang="en-US" smtClean="0"/>
+              <a:rPr lang="en-US"/>
               <a:t>Click to edit Master text styles</a:t>
             </a:r>
           </a:p>
           <a:p>
             <a:pPr lvl="1"/>
             <a:r>
-              <a:rPr lang="en-US" smtClean="0"/>
+              <a:rPr lang="en-US"/>
               <a:t>Second level</a:t>
             </a:r>
           </a:p>
           <a:p>
             <a:pPr lvl="2"/>
             <a:r>
-              <a:rPr lang="en-US" smtClean="0"/>
+              <a:rPr lang="en-US"/>
               <a:t>Third level</a:t>
             </a:r>
           </a:p>
           <a:p>
             <a:pPr lvl="3"/>
             <a:r>
-              <a:rPr lang="en-US" smtClean="0"/>
+              <a:rPr lang="en-US"/>
               <a:t>Fourth level</a:t>
             </a:r>
           </a:p>
           <a:p>
             <a:pPr lvl="4"/>
             <a:r>
-              <a:rPr lang="en-US" smtClean="0"/>
+              <a:rPr lang="en-US"/>
               <a:t>Fifth level</a:t>
             </a:r>
-            <a:endParaRPr lang="en-US"/>
           </a:p>
         </p:txBody>
       </p:sp>
@@ -1311,38 +1300,37 @@
           <a:p>
             <a:pPr lvl="0"/>
             <a:r>
-              <a:rPr lang="en-US" smtClean="0"/>
+              <a:rPr lang="en-US"/>
               <a:t>Click to edit Master text styles</a:t>
             </a:r>
           </a:p>
           <a:p>
             <a:pPr lvl="1"/>
             <a:r>
-              <a:rPr lang="en-US" smtClean="0"/>
+              <a:rPr lang="en-US"/>
               <a:t>Second level</a:t>
             </a:r>
           </a:p>
           <a:p>
             <a:pPr lvl="2"/>
             <a:r>
-              <a:rPr lang="en-US" smtClean="0"/>
+              <a:rPr lang="en-US"/>
               <a:t>Third level</a:t>
             </a:r>
           </a:p>
           <a:p>
             <a:pPr lvl="3"/>
             <a:r>
-              <a:rPr lang="en-US" smtClean="0"/>
+              <a:rPr lang="en-US"/>
               <a:t>Fourth level</a:t>
             </a:r>
           </a:p>
           <a:p>
             <a:pPr lvl="4"/>
             <a:r>
-              <a:rPr lang="en-US" smtClean="0"/>
+              <a:rPr lang="en-US"/>
               <a:t>Fifth level</a:t>
             </a:r>
-            <a:endParaRPr lang="en-US"/>
           </a:p>
         </p:txBody>
       </p:sp>
@@ -1363,7 +1351,7 @@
           <a:p>
             <a:fld id="{68F71419-1986-3443-8BC6-04B219337770}" type="datetimeFigureOut">
               <a:rPr lang="en-US" smtClean="0"/>
-              <a:t>9/13/16</a:t>
+              <a:t>5/8/18</a:t>
             </a:fld>
             <a:endParaRPr lang="en-US"/>
           </a:p>
@@ -1461,10 +1449,9 @@
           </a:lstStyle>
           <a:p>
             <a:r>
-              <a:rPr lang="en-US" smtClean="0"/>
+              <a:rPr lang="en-US"/>
               <a:t>Click to edit Master title style</a:t>
             </a:r>
-            <a:endParaRPr lang="en-US"/>
           </a:p>
         </p:txBody>
       </p:sp>
@@ -1527,7 +1514,7 @@
           <a:p>
             <a:pPr lvl="0"/>
             <a:r>
-              <a:rPr lang="en-US" smtClean="0"/>
+              <a:rPr lang="en-US"/>
               <a:t>Click to edit Master text styles</a:t>
             </a:r>
           </a:p>
@@ -1583,38 +1570,37 @@
           <a:p>
             <a:pPr lvl="0"/>
             <a:r>
-              <a:rPr lang="en-US" smtClean="0"/>
+              <a:rPr lang="en-US"/>
               <a:t>Click to edit Master text styles</a:t>
             </a:r>
           </a:p>
           <a:p>
             <a:pPr lvl="1"/>
             <a:r>
-              <a:rPr lang="en-US" smtClean="0"/>
+              <a:rPr lang="en-US"/>
               <a:t>Second level</a:t>
             </a:r>
           </a:p>
           <a:p>
             <a:pPr lvl="2"/>
             <a:r>
-              <a:rPr lang="en-US" smtClean="0"/>
+              <a:rPr lang="en-US"/>
               <a:t>Third level</a:t>
             </a:r>
           </a:p>
           <a:p>
             <a:pPr lvl="3"/>
             <a:r>
-              <a:rPr lang="en-US" smtClean="0"/>
+              <a:rPr lang="en-US"/>
               <a:t>Fourth level</a:t>
             </a:r>
           </a:p>
           <a:p>
             <a:pPr lvl="4"/>
             <a:r>
-              <a:rPr lang="en-US" smtClean="0"/>
+              <a:rPr lang="en-US"/>
               <a:t>Fifth level</a:t>
             </a:r>
-            <a:endParaRPr lang="en-US"/>
           </a:p>
         </p:txBody>
       </p:sp>
@@ -1677,7 +1663,7 @@
           <a:p>
             <a:pPr lvl="0"/>
             <a:r>
-              <a:rPr lang="en-US" smtClean="0"/>
+              <a:rPr lang="en-US"/>
               <a:t>Click to edit Master text styles</a:t>
             </a:r>
           </a:p>
@@ -1733,38 +1719,37 @@
           <a:p>
             <a:pPr lvl="0"/>
             <a:r>
-              <a:rPr lang="en-US" smtClean="0"/>
+              <a:rPr lang="en-US"/>
               <a:t>Click to edit Master text styles</a:t>
             </a:r>
           </a:p>
           <a:p>
             <a:pPr lvl="1"/>
             <a:r>
-              <a:rPr lang="en-US" smtClean="0"/>
+              <a:rPr lang="en-US"/>
               <a:t>Second level</a:t>
             </a:r>
           </a:p>
           <a:p>
             <a:pPr lvl="2"/>
             <a:r>
-              <a:rPr lang="en-US" smtClean="0"/>
+              <a:rPr lang="en-US"/>
               <a:t>Third level</a:t>
             </a:r>
           </a:p>
           <a:p>
             <a:pPr lvl="3"/>
             <a:r>
-              <a:rPr lang="en-US" smtClean="0"/>
+              <a:rPr lang="en-US"/>
               <a:t>Fourth level</a:t>
             </a:r>
           </a:p>
           <a:p>
             <a:pPr lvl="4"/>
             <a:r>
-              <a:rPr lang="en-US" smtClean="0"/>
+              <a:rPr lang="en-US"/>
               <a:t>Fifth level</a:t>
             </a:r>
-            <a:endParaRPr lang="en-US"/>
           </a:p>
         </p:txBody>
       </p:sp>
@@ -1785,7 +1770,7 @@
           <a:p>
             <a:fld id="{68F71419-1986-3443-8BC6-04B219337770}" type="datetimeFigureOut">
               <a:rPr lang="en-US" smtClean="0"/>
-              <a:t>9/13/16</a:t>
+              <a:t>5/8/18</a:t>
             </a:fld>
             <a:endParaRPr lang="en-US"/>
           </a:p>
@@ -1879,10 +1864,9 @@
           <a:lstStyle/>
           <a:p>
             <a:r>
-              <a:rPr lang="en-US" smtClean="0"/>
+              <a:rPr lang="en-US"/>
               <a:t>Click to edit Master title style</a:t>
             </a:r>
-            <a:endParaRPr lang="en-US"/>
           </a:p>
         </p:txBody>
       </p:sp>
@@ -1903,7 +1887,7 @@
           <a:p>
             <a:fld id="{68F71419-1986-3443-8BC6-04B219337770}" type="datetimeFigureOut">
               <a:rPr lang="en-US" smtClean="0"/>
-              <a:t>9/13/16</a:t>
+              <a:t>5/8/18</a:t>
             </a:fld>
             <a:endParaRPr lang="en-US"/>
           </a:p>
@@ -1998,7 +1982,7 @@
           <a:p>
             <a:fld id="{68F71419-1986-3443-8BC6-04B219337770}" type="datetimeFigureOut">
               <a:rPr lang="en-US" smtClean="0"/>
-              <a:t>9/13/16</a:t>
+              <a:t>5/8/18</a:t>
             </a:fld>
             <a:endParaRPr lang="en-US"/>
           </a:p>
@@ -2101,10 +2085,9 @@
           </a:lstStyle>
           <a:p>
             <a:r>
-              <a:rPr lang="en-US" smtClean="0"/>
+              <a:rPr lang="en-US"/>
               <a:t>Click to edit Master title style</a:t>
             </a:r>
-            <a:endParaRPr lang="en-US"/>
           </a:p>
         </p:txBody>
       </p:sp>
@@ -2158,38 +2141,37 @@
           <a:p>
             <a:pPr lvl="0"/>
             <a:r>
-              <a:rPr lang="en-US" smtClean="0"/>
+              <a:rPr lang="en-US"/>
               <a:t>Click to edit Master text styles</a:t>
             </a:r>
           </a:p>
           <a:p>
             <a:pPr lvl="1"/>
             <a:r>
-              <a:rPr lang="en-US" smtClean="0"/>
+              <a:rPr lang="en-US"/>
               <a:t>Second level</a:t>
             </a:r>
           </a:p>
           <a:p>
             <a:pPr lvl="2"/>
             <a:r>
-              <a:rPr lang="en-US" smtClean="0"/>
+              <a:rPr lang="en-US"/>
               <a:t>Third level</a:t>
             </a:r>
           </a:p>
           <a:p>
             <a:pPr lvl="3"/>
             <a:r>
-              <a:rPr lang="en-US" smtClean="0"/>
+              <a:rPr lang="en-US"/>
               <a:t>Fourth level</a:t>
             </a:r>
           </a:p>
           <a:p>
             <a:pPr lvl="4"/>
             <a:r>
-              <a:rPr lang="en-US" smtClean="0"/>
+              <a:rPr lang="en-US"/>
               <a:t>Fifth level</a:t>
             </a:r>
-            <a:endParaRPr lang="en-US"/>
           </a:p>
         </p:txBody>
       </p:sp>
@@ -2252,7 +2234,7 @@
           <a:p>
             <a:pPr lvl="0"/>
             <a:r>
-              <a:rPr lang="en-US" smtClean="0"/>
+              <a:rPr lang="en-US"/>
               <a:t>Click to edit Master text styles</a:t>
             </a:r>
           </a:p>
@@ -2275,7 +2257,7 @@
           <a:p>
             <a:fld id="{68F71419-1986-3443-8BC6-04B219337770}" type="datetimeFigureOut">
               <a:rPr lang="en-US" smtClean="0"/>
-              <a:t>9/13/16</a:t>
+              <a:t>5/8/18</a:t>
             </a:fld>
             <a:endParaRPr lang="en-US"/>
           </a:p>
@@ -2378,10 +2360,9 @@
           </a:lstStyle>
           <a:p>
             <a:r>
-              <a:rPr lang="en-US" smtClean="0"/>
+              <a:rPr lang="en-US"/>
               <a:t>Click to edit Master title style</a:t>
             </a:r>
-            <a:endParaRPr lang="en-US"/>
           </a:p>
         </p:txBody>
       </p:sp>
@@ -2505,7 +2486,7 @@
           <a:p>
             <a:pPr lvl="0"/>
             <a:r>
-              <a:rPr lang="en-US" smtClean="0"/>
+              <a:rPr lang="en-US"/>
               <a:t>Click to edit Master text styles</a:t>
             </a:r>
           </a:p>
@@ -2528,7 +2509,7 @@
           <a:p>
             <a:fld id="{68F71419-1986-3443-8BC6-04B219337770}" type="datetimeFigureOut">
               <a:rPr lang="en-US" smtClean="0"/>
-              <a:t>9/13/16</a:t>
+              <a:t>5/8/18</a:t>
             </a:fld>
             <a:endParaRPr lang="en-US"/>
           </a:p>
@@ -2637,10 +2618,9 @@
           <a:lstStyle/>
           <a:p>
             <a:r>
-              <a:rPr lang="en-US" smtClean="0"/>
+              <a:rPr lang="en-US"/>
               <a:t>Click to edit Master title style</a:t>
             </a:r>
-            <a:endParaRPr lang="en-US"/>
           </a:p>
         </p:txBody>
       </p:sp>
@@ -2671,38 +2651,37 @@
           <a:p>
             <a:pPr lvl="0"/>
             <a:r>
-              <a:rPr lang="en-US" smtClean="0"/>
+              <a:rPr lang="en-US"/>
               <a:t>Click to edit Master text styles</a:t>
             </a:r>
           </a:p>
           <a:p>
             <a:pPr lvl="1"/>
             <a:r>
-              <a:rPr lang="en-US" smtClean="0"/>
+              <a:rPr lang="en-US"/>
               <a:t>Second level</a:t>
             </a:r>
           </a:p>
           <a:p>
             <a:pPr lvl="2"/>
             <a:r>
-              <a:rPr lang="en-US" smtClean="0"/>
+              <a:rPr lang="en-US"/>
               <a:t>Third level</a:t>
             </a:r>
           </a:p>
           <a:p>
             <a:pPr lvl="3"/>
             <a:r>
-              <a:rPr lang="en-US" smtClean="0"/>
+              <a:rPr lang="en-US"/>
               <a:t>Fourth level</a:t>
             </a:r>
           </a:p>
           <a:p>
             <a:pPr lvl="4"/>
             <a:r>
-              <a:rPr lang="en-US" smtClean="0"/>
+              <a:rPr lang="en-US"/>
               <a:t>Fifth level</a:t>
             </a:r>
-            <a:endParaRPr lang="en-US"/>
           </a:p>
         </p:txBody>
       </p:sp>
@@ -2741,7 +2720,7 @@
           <a:p>
             <a:fld id="{68F71419-1986-3443-8BC6-04B219337770}" type="datetimeFigureOut">
               <a:rPr lang="en-US" smtClean="0"/>
-              <a:t>9/13/16</a:t>
+              <a:t>5/8/18</a:t>
             </a:fld>
             <a:endParaRPr lang="en-US"/>
           </a:p>
@@ -3183,8 +3162,8 @@
         </p:nvSpPr>
         <p:spPr>
           <a:xfrm>
-            <a:off x="3297044" y="334198"/>
-            <a:ext cx="2410487" cy="769441"/>
+            <a:off x="2629651" y="334198"/>
+            <a:ext cx="3558986" cy="769441"/>
           </a:xfrm>
           <a:prstGeom prst="rect">
             <a:avLst/>
@@ -3198,41 +3177,40 @@
           <a:p>
             <a:pPr algn="ctr"/>
             <a:r>
-              <a:rPr lang="en-US" sz="2200" i="1" dirty="0" smtClean="0"/>
+              <a:rPr lang="en-US" sz="2200" i="1" dirty="0"/>
               <a:t>H</a:t>
             </a:r>
             <a:r>
-              <a:rPr lang="en-US" sz="2200" i="1" baseline="-25000" dirty="0" smtClean="0"/>
+              <a:rPr lang="en-US" sz="2200" i="1" baseline="-25000" dirty="0"/>
               <a:t>1</a:t>
             </a:r>
             <a:r>
-              <a:rPr lang="en-US" sz="2200" i="1" dirty="0" smtClean="0"/>
+              <a:rPr lang="en-US" sz="2200" i="1" dirty="0"/>
               <a:t>(k) = (k + 1)  % M</a:t>
             </a:r>
           </a:p>
           <a:p>
             <a:pPr algn="ctr"/>
             <a:r>
-              <a:rPr lang="en-US" sz="2200" i="1" dirty="0" smtClean="0"/>
+              <a:rPr lang="en-US" sz="2200" i="1" dirty="0"/>
               <a:t>H</a:t>
             </a:r>
             <a:r>
-              <a:rPr lang="en-US" sz="2200" i="1" baseline="-25000" dirty="0" smtClean="0"/>
+              <a:rPr lang="en-US" sz="2200" i="1" baseline="-25000" dirty="0"/>
               <a:t>2</a:t>
             </a:r>
             <a:r>
-              <a:rPr lang="en-US" sz="2200" i="1" dirty="0" smtClean="0"/>
+              <a:rPr lang="en-US" sz="2200" i="1" dirty="0"/>
               <a:t>(k) = (2</a:t>
             </a:r>
             <a:r>
-              <a:rPr lang="en-US" sz="2200" i="1" baseline="30000" dirty="0" smtClean="0"/>
+              <a:rPr lang="en-US" sz="2200" i="1" baseline="30000" dirty="0"/>
               <a:t>k</a:t>
             </a:r>
             <a:r>
-              <a:rPr lang="en-US" sz="2200" i="1" dirty="0" smtClean="0"/>
+              <a:rPr lang="en-US" sz="2200" i="1" dirty="0"/>
               <a:t>) % M</a:t>
             </a:r>
-            <a:endParaRPr lang="en-US" sz="2200" i="1" dirty="0"/>
           </a:p>
         </p:txBody>
       </p:sp>
@@ -3245,7 +3223,7 @@
           <p:nvPr>
             <p:extLst>
               <p:ext uri="{D42A27DB-BD31-4B8C-83A1-F6EECF244321}">
-                <p14:modId xmlns:p14="http://schemas.microsoft.com/office/powerpoint/2010/main" val="3120631472"/>
+                <p14:modId xmlns:p14="http://schemas.microsoft.com/office/powerpoint/2010/main" val="2672401609"/>
               </p:ext>
             </p:extLst>
           </p:nvPr>
@@ -3261,7 +3239,13 @@
                 <a:tableStyleId>{5940675A-B579-460E-94D1-54222C63F5DA}</a:tableStyleId>
               </a:tblPr>
               <a:tblGrid>
-                <a:gridCol w="1105647"/>
+                <a:gridCol w="1105647">
+                  <a:extLst>
+                    <a:ext uri="{9D8B030D-6E8A-4147-A177-3AD203B41FA5}">
+                      <a16:colId xmlns:a16="http://schemas.microsoft.com/office/drawing/2014/main" val="20000"/>
+                    </a:ext>
+                  </a:extLst>
+                </a:gridCol>
               </a:tblGrid>
               <a:tr h="903941">
                 <a:tc>
@@ -3274,6 +3258,11 @@
                   </a:txBody>
                   <a:tcPr/>
                 </a:tc>
+                <a:extLst>
+                  <a:ext uri="{0D108BD9-81ED-4DB2-BD59-A6C34878D82A}">
+                    <a16:rowId xmlns:a16="http://schemas.microsoft.com/office/drawing/2014/main" val="10000"/>
+                  </a:ext>
+                </a:extLst>
               </a:tr>
               <a:tr h="903941">
                 <a:tc>
@@ -3283,22 +3272,22 @@
                     <a:p>
                       <a:pPr algn="ctr"/>
                       <a:r>
-                        <a:rPr lang="en-US" sz="3200" dirty="0" smtClean="0">
+                        <a:rPr lang="en-US" sz="3200" dirty="0">
                           <a:solidFill>
                             <a:srgbClr val="000000"/>
                           </a:solidFill>
                         </a:rPr>
                         <a:t>5</a:t>
                       </a:r>
-                      <a:endParaRPr lang="en-US" sz="3200" dirty="0">
-                        <a:solidFill>
-                          <a:srgbClr val="000000"/>
-                        </a:solidFill>
-                      </a:endParaRPr>
-                    </a:p>
-                  </a:txBody>
-                  <a:tcPr/>
-                </a:tc>
+                    </a:p>
+                  </a:txBody>
+                  <a:tcPr/>
+                </a:tc>
+                <a:extLst>
+                  <a:ext uri="{0D108BD9-81ED-4DB2-BD59-A6C34878D82A}">
+                    <a16:rowId xmlns:a16="http://schemas.microsoft.com/office/drawing/2014/main" val="10001"/>
+                  </a:ext>
+                </a:extLst>
               </a:tr>
               <a:tr h="903941">
                 <a:tc>
@@ -3311,6 +3300,11 @@
                   </a:txBody>
                   <a:tcPr/>
                 </a:tc>
+                <a:extLst>
+                  <a:ext uri="{0D108BD9-81ED-4DB2-BD59-A6C34878D82A}">
+                    <a16:rowId xmlns:a16="http://schemas.microsoft.com/office/drawing/2014/main" val="10002"/>
+                  </a:ext>
+                </a:extLst>
               </a:tr>
               <a:tr h="944880">
                 <a:tc>
@@ -3336,7 +3330,7 @@
                         <a:defRPr/>
                       </a:pPr>
                       <a:r>
-                        <a:rPr lang="en-US" sz="3700" dirty="0" smtClean="0">
+                        <a:rPr lang="en-US" sz="3700" dirty="0">
                           <a:solidFill>
                             <a:srgbClr val="000000"/>
                           </a:solidFill>
@@ -3350,6 +3344,11 @@
                   </a:txBody>
                   <a:tcPr/>
                 </a:tc>
+                <a:extLst>
+                  <a:ext uri="{0D108BD9-81ED-4DB2-BD59-A6C34878D82A}">
+                    <a16:rowId xmlns:a16="http://schemas.microsoft.com/office/drawing/2014/main" val="10003"/>
+                  </a:ext>
+                </a:extLst>
               </a:tr>
               <a:tr h="903941">
                 <a:tc>
@@ -3362,6 +3361,11 @@
                   </a:txBody>
                   <a:tcPr/>
                 </a:tc>
+                <a:extLst>
+                  <a:ext uri="{0D108BD9-81ED-4DB2-BD59-A6C34878D82A}">
+                    <a16:rowId xmlns:a16="http://schemas.microsoft.com/office/drawing/2014/main" val="10004"/>
+                  </a:ext>
+                </a:extLst>
               </a:tr>
             </a:tbl>
           </a:graphicData>
@@ -3376,7 +3380,7 @@
           <p:nvPr>
             <p:extLst>
               <p:ext uri="{D42A27DB-BD31-4B8C-83A1-F6EECF244321}">
-                <p14:modId xmlns:p14="http://schemas.microsoft.com/office/powerpoint/2010/main" val="794180038"/>
+                <p14:modId xmlns:p14="http://schemas.microsoft.com/office/powerpoint/2010/main" val="2721553599"/>
               </p:ext>
             </p:extLst>
           </p:nvPr>
@@ -3392,7 +3396,13 @@
                 <a:tableStyleId>{2D5ABB26-0587-4C30-8999-92F81FD0307C}</a:tableStyleId>
               </a:tblPr>
               <a:tblGrid>
-                <a:gridCol w="1105647"/>
+                <a:gridCol w="1105647">
+                  <a:extLst>
+                    <a:ext uri="{9D8B030D-6E8A-4147-A177-3AD203B41FA5}">
+                      <a16:colId xmlns:a16="http://schemas.microsoft.com/office/drawing/2014/main" val="20000"/>
+                    </a:ext>
+                  </a:extLst>
+                </a:gridCol>
               </a:tblGrid>
               <a:tr h="903941">
                 <a:tc>
@@ -3402,14 +3412,18 @@
                     <a:p>
                       <a:pPr algn="r"/>
                       <a:r>
-                        <a:rPr lang="en-US" sz="3200" dirty="0" smtClean="0"/>
+                        <a:rPr lang="en-US" sz="3200" dirty="0"/>
                         <a:t>0</a:t>
                       </a:r>
-                      <a:endParaRPr lang="en-US" sz="3200" dirty="0"/>
-                    </a:p>
-                  </a:txBody>
-                  <a:tcPr/>
-                </a:tc>
+                    </a:p>
+                  </a:txBody>
+                  <a:tcPr/>
+                </a:tc>
+                <a:extLst>
+                  <a:ext uri="{0D108BD9-81ED-4DB2-BD59-A6C34878D82A}">
+                    <a16:rowId xmlns:a16="http://schemas.microsoft.com/office/drawing/2014/main" val="10000"/>
+                  </a:ext>
+                </a:extLst>
               </a:tr>
               <a:tr h="903941">
                 <a:tc>
@@ -3419,14 +3433,18 @@
                     <a:p>
                       <a:pPr algn="r"/>
                       <a:r>
-                        <a:rPr lang="en-US" sz="3200" dirty="0" smtClean="0"/>
+                        <a:rPr lang="en-US" sz="3200" dirty="0"/>
                         <a:t>1</a:t>
                       </a:r>
-                      <a:endParaRPr lang="en-US" sz="3200" dirty="0"/>
-                    </a:p>
-                  </a:txBody>
-                  <a:tcPr/>
-                </a:tc>
+                    </a:p>
+                  </a:txBody>
+                  <a:tcPr/>
+                </a:tc>
+                <a:extLst>
+                  <a:ext uri="{0D108BD9-81ED-4DB2-BD59-A6C34878D82A}">
+                    <a16:rowId xmlns:a16="http://schemas.microsoft.com/office/drawing/2014/main" val="10001"/>
+                  </a:ext>
+                </a:extLst>
               </a:tr>
               <a:tr h="903941">
                 <a:tc>
@@ -3436,14 +3454,18 @@
                     <a:p>
                       <a:pPr algn="r"/>
                       <a:r>
-                        <a:rPr lang="en-US" sz="3200" dirty="0" smtClean="0"/>
+                        <a:rPr lang="en-US" sz="3200" dirty="0"/>
                         <a:t>2</a:t>
                       </a:r>
-                      <a:endParaRPr lang="en-US" sz="3200" dirty="0"/>
-                    </a:p>
-                  </a:txBody>
-                  <a:tcPr/>
-                </a:tc>
+                    </a:p>
+                  </a:txBody>
+                  <a:tcPr/>
+                </a:tc>
+                <a:extLst>
+                  <a:ext uri="{0D108BD9-81ED-4DB2-BD59-A6C34878D82A}">
+                    <a16:rowId xmlns:a16="http://schemas.microsoft.com/office/drawing/2014/main" val="10002"/>
+                  </a:ext>
+                </a:extLst>
               </a:tr>
               <a:tr h="903941">
                 <a:tc>
@@ -3453,14 +3475,18 @@
                     <a:p>
                       <a:pPr algn="r"/>
                       <a:r>
-                        <a:rPr lang="en-US" sz="3200" dirty="0" smtClean="0"/>
+                        <a:rPr lang="en-US" sz="3200" dirty="0"/>
                         <a:t>3</a:t>
                       </a:r>
-                      <a:endParaRPr lang="en-US" sz="3200" dirty="0"/>
-                    </a:p>
-                  </a:txBody>
-                  <a:tcPr/>
-                </a:tc>
+                    </a:p>
+                  </a:txBody>
+                  <a:tcPr/>
+                </a:tc>
+                <a:extLst>
+                  <a:ext uri="{0D108BD9-81ED-4DB2-BD59-A6C34878D82A}">
+                    <a16:rowId xmlns:a16="http://schemas.microsoft.com/office/drawing/2014/main" val="10003"/>
+                  </a:ext>
+                </a:extLst>
               </a:tr>
               <a:tr h="903941">
                 <a:tc>
@@ -3470,14 +3496,18 @@
                     <a:p>
                       <a:pPr algn="r"/>
                       <a:r>
-                        <a:rPr lang="en-US" sz="3200" dirty="0" smtClean="0"/>
+                        <a:rPr lang="en-US" sz="3200" dirty="0"/>
                         <a:t>4</a:t>
                       </a:r>
-                      <a:endParaRPr lang="en-US" sz="3200" dirty="0"/>
-                    </a:p>
-                  </a:txBody>
-                  <a:tcPr/>
-                </a:tc>
+                    </a:p>
+                  </a:txBody>
+                  <a:tcPr/>
+                </a:tc>
+                <a:extLst>
+                  <a:ext uri="{0D108BD9-81ED-4DB2-BD59-A6C34878D82A}">
+                    <a16:rowId xmlns:a16="http://schemas.microsoft.com/office/drawing/2014/main" val="10004"/>
+                  </a:ext>
+                </a:extLst>
               </a:tr>
             </a:tbl>
           </a:graphicData>
@@ -3492,7 +3522,7 @@
           <p:nvPr>
             <p:extLst>
               <p:ext uri="{D42A27DB-BD31-4B8C-83A1-F6EECF244321}">
-                <p14:modId xmlns:p14="http://schemas.microsoft.com/office/powerpoint/2010/main" val="840152513"/>
+                <p14:modId xmlns:p14="http://schemas.microsoft.com/office/powerpoint/2010/main" val="4114466119"/>
               </p:ext>
             </p:extLst>
           </p:nvPr>
@@ -3508,7 +3538,13 @@
                 <a:tableStyleId>{5940675A-B579-460E-94D1-54222C63F5DA}</a:tableStyleId>
               </a:tblPr>
               <a:tblGrid>
-                <a:gridCol w="1105647"/>
+                <a:gridCol w="1105647">
+                  <a:extLst>
+                    <a:ext uri="{9D8B030D-6E8A-4147-A177-3AD203B41FA5}">
+                      <a16:colId xmlns:a16="http://schemas.microsoft.com/office/drawing/2014/main" val="20000"/>
+                    </a:ext>
+                  </a:extLst>
+                </a:gridCol>
               </a:tblGrid>
               <a:tr h="903941">
                 <a:tc>
@@ -3521,6 +3557,11 @@
                   </a:txBody>
                   <a:tcPr/>
                 </a:tc>
+                <a:extLst>
+                  <a:ext uri="{0D108BD9-81ED-4DB2-BD59-A6C34878D82A}">
+                    <a16:rowId xmlns:a16="http://schemas.microsoft.com/office/drawing/2014/main" val="10000"/>
+                  </a:ext>
+                </a:extLst>
               </a:tr>
               <a:tr h="944880">
                 <a:tc>
@@ -3546,7 +3587,7 @@
                         <a:defRPr/>
                       </a:pPr>
                       <a:r>
-                        <a:rPr kumimoji="0" lang="en-US" sz="3700" b="0" i="0" u="none" strike="noStrike" kern="1200" cap="none" spc="0" normalizeH="0" baseline="0" noProof="0" dirty="0" smtClean="0">
+                        <a:rPr kumimoji="0" lang="en-US" sz="3700" b="0" i="0" u="none" strike="noStrike" kern="1200" cap="none" spc="0" normalizeH="0" baseline="0" noProof="0" dirty="0">
                           <a:ln>
                             <a:noFill/>
                           </a:ln>
@@ -3569,6 +3610,11 @@
                   </a:txBody>
                   <a:tcPr/>
                 </a:tc>
+                <a:extLst>
+                  <a:ext uri="{0D108BD9-81ED-4DB2-BD59-A6C34878D82A}">
+                    <a16:rowId xmlns:a16="http://schemas.microsoft.com/office/drawing/2014/main" val="10001"/>
+                  </a:ext>
+                </a:extLst>
               </a:tr>
               <a:tr h="903941">
                 <a:tc>
@@ -3594,7 +3640,7 @@
                         <a:defRPr/>
                       </a:pPr>
                       <a:r>
-                        <a:rPr kumimoji="0" lang="en-US" sz="3700" b="0" i="0" u="none" strike="noStrike" kern="1200" cap="none" spc="0" normalizeH="0" baseline="0" noProof="0" dirty="0" smtClean="0">
+                        <a:rPr kumimoji="0" lang="en-US" sz="3700" b="0" i="0" u="none" strike="noStrike" kern="1200" cap="none" spc="0" normalizeH="0" baseline="0" noProof="0" dirty="0">
                           <a:ln>
                             <a:noFill/>
                           </a:ln>
@@ -3619,6 +3665,11 @@
                   </a:txBody>
                   <a:tcPr/>
                 </a:tc>
+                <a:extLst>
+                  <a:ext uri="{0D108BD9-81ED-4DB2-BD59-A6C34878D82A}">
+                    <a16:rowId xmlns:a16="http://schemas.microsoft.com/office/drawing/2014/main" val="10002"/>
+                  </a:ext>
+                </a:extLst>
               </a:tr>
               <a:tr h="944880">
                 <a:tc>
@@ -3644,7 +3695,7 @@
                         <a:defRPr/>
                       </a:pPr>
                       <a:r>
-                        <a:rPr kumimoji="0" lang="en-US" sz="3700" b="0" i="0" u="none" strike="noStrike" kern="1200" cap="none" spc="0" normalizeH="0" baseline="0" noProof="0" dirty="0" smtClean="0">
+                        <a:rPr kumimoji="0" lang="en-US" sz="3700" b="0" i="0" u="none" strike="noStrike" kern="1200" cap="none" spc="0" normalizeH="0" baseline="0" noProof="0" dirty="0">
                           <a:ln>
                             <a:noFill/>
                           </a:ln>
@@ -3667,6 +3718,11 @@
                   </a:txBody>
                   <a:tcPr/>
                 </a:tc>
+                <a:extLst>
+                  <a:ext uri="{0D108BD9-81ED-4DB2-BD59-A6C34878D82A}">
+                    <a16:rowId xmlns:a16="http://schemas.microsoft.com/office/drawing/2014/main" val="10003"/>
+                  </a:ext>
+                </a:extLst>
               </a:tr>
               <a:tr h="944880">
                 <a:tc>
@@ -3692,7 +3748,7 @@
                         <a:defRPr/>
                       </a:pPr>
                       <a:r>
-                        <a:rPr lang="en-US" sz="3700" dirty="0" smtClean="0">
+                        <a:rPr lang="en-US" sz="3700" dirty="0">
                           <a:solidFill>
                             <a:schemeClr val="tx1"/>
                           </a:solidFill>
@@ -3706,6 +3762,11 @@
                   </a:txBody>
                   <a:tcPr/>
                 </a:tc>
+                <a:extLst>
+                  <a:ext uri="{0D108BD9-81ED-4DB2-BD59-A6C34878D82A}">
+                    <a16:rowId xmlns:a16="http://schemas.microsoft.com/office/drawing/2014/main" val="10004"/>
+                  </a:ext>
+                </a:extLst>
               </a:tr>
             </a:tbl>
           </a:graphicData>
@@ -3720,7 +3781,7 @@
           <p:nvPr>
             <p:extLst>
               <p:ext uri="{D42A27DB-BD31-4B8C-83A1-F6EECF244321}">
-                <p14:modId xmlns:p14="http://schemas.microsoft.com/office/powerpoint/2010/main" val="3111853739"/>
+                <p14:modId xmlns:p14="http://schemas.microsoft.com/office/powerpoint/2010/main" val="2785289756"/>
               </p:ext>
             </p:extLst>
           </p:nvPr>
@@ -3736,7 +3797,13 @@
                 <a:tableStyleId>{2D5ABB26-0587-4C30-8999-92F81FD0307C}</a:tableStyleId>
               </a:tblPr>
               <a:tblGrid>
-                <a:gridCol w="1105647"/>
+                <a:gridCol w="1105647">
+                  <a:extLst>
+                    <a:ext uri="{9D8B030D-6E8A-4147-A177-3AD203B41FA5}">
+                      <a16:colId xmlns:a16="http://schemas.microsoft.com/office/drawing/2014/main" val="20000"/>
+                    </a:ext>
+                  </a:extLst>
+                </a:gridCol>
               </a:tblGrid>
               <a:tr h="903941">
                 <a:tc>
@@ -3746,14 +3813,18 @@
                     <a:p>
                       <a:pPr algn="l"/>
                       <a:r>
-                        <a:rPr lang="en-US" sz="3200" dirty="0" smtClean="0"/>
+                        <a:rPr lang="en-US" sz="3200" dirty="0"/>
                         <a:t>0</a:t>
                       </a:r>
-                      <a:endParaRPr lang="en-US" sz="3200" dirty="0"/>
-                    </a:p>
-                  </a:txBody>
-                  <a:tcPr/>
-                </a:tc>
+                    </a:p>
+                  </a:txBody>
+                  <a:tcPr/>
+                </a:tc>
+                <a:extLst>
+                  <a:ext uri="{0D108BD9-81ED-4DB2-BD59-A6C34878D82A}">
+                    <a16:rowId xmlns:a16="http://schemas.microsoft.com/office/drawing/2014/main" val="10000"/>
+                  </a:ext>
+                </a:extLst>
               </a:tr>
               <a:tr h="903941">
                 <a:tc>
@@ -3763,14 +3834,18 @@
                     <a:p>
                       <a:pPr algn="l"/>
                       <a:r>
-                        <a:rPr lang="en-US" sz="3200" dirty="0" smtClean="0"/>
+                        <a:rPr lang="en-US" sz="3200" dirty="0"/>
                         <a:t>1</a:t>
                       </a:r>
-                      <a:endParaRPr lang="en-US" sz="3200" dirty="0"/>
-                    </a:p>
-                  </a:txBody>
-                  <a:tcPr/>
-                </a:tc>
+                    </a:p>
+                  </a:txBody>
+                  <a:tcPr/>
+                </a:tc>
+                <a:extLst>
+                  <a:ext uri="{0D108BD9-81ED-4DB2-BD59-A6C34878D82A}">
+                    <a16:rowId xmlns:a16="http://schemas.microsoft.com/office/drawing/2014/main" val="10001"/>
+                  </a:ext>
+                </a:extLst>
               </a:tr>
               <a:tr h="903941">
                 <a:tc>
@@ -3780,14 +3855,18 @@
                     <a:p>
                       <a:pPr algn="l"/>
                       <a:r>
-                        <a:rPr lang="en-US" sz="3200" dirty="0" smtClean="0"/>
+                        <a:rPr lang="en-US" sz="3200" dirty="0"/>
                         <a:t>2</a:t>
                       </a:r>
-                      <a:endParaRPr lang="en-US" sz="3200" dirty="0"/>
-                    </a:p>
-                  </a:txBody>
-                  <a:tcPr/>
-                </a:tc>
+                    </a:p>
+                  </a:txBody>
+                  <a:tcPr/>
+                </a:tc>
+                <a:extLst>
+                  <a:ext uri="{0D108BD9-81ED-4DB2-BD59-A6C34878D82A}">
+                    <a16:rowId xmlns:a16="http://schemas.microsoft.com/office/drawing/2014/main" val="10002"/>
+                  </a:ext>
+                </a:extLst>
               </a:tr>
               <a:tr h="903941">
                 <a:tc>
@@ -3797,14 +3876,18 @@
                     <a:p>
                       <a:pPr algn="l"/>
                       <a:r>
-                        <a:rPr lang="en-US" sz="3200" dirty="0" smtClean="0"/>
+                        <a:rPr lang="en-US" sz="3200" dirty="0"/>
                         <a:t>3</a:t>
                       </a:r>
-                      <a:endParaRPr lang="en-US" sz="3200" dirty="0"/>
-                    </a:p>
-                  </a:txBody>
-                  <a:tcPr/>
-                </a:tc>
+                    </a:p>
+                  </a:txBody>
+                  <a:tcPr/>
+                </a:tc>
+                <a:extLst>
+                  <a:ext uri="{0D108BD9-81ED-4DB2-BD59-A6C34878D82A}">
+                    <a16:rowId xmlns:a16="http://schemas.microsoft.com/office/drawing/2014/main" val="10003"/>
+                  </a:ext>
+                </a:extLst>
               </a:tr>
               <a:tr h="903941">
                 <a:tc>
@@ -3814,14 +3897,18 @@
                     <a:p>
                       <a:pPr algn="l"/>
                       <a:r>
-                        <a:rPr lang="en-US" sz="3200" dirty="0" smtClean="0"/>
+                        <a:rPr lang="en-US" sz="3200" dirty="0"/>
                         <a:t>4</a:t>
                       </a:r>
-                      <a:endParaRPr lang="en-US" sz="3200" dirty="0"/>
-                    </a:p>
-                  </a:txBody>
-                  <a:tcPr/>
-                </a:tc>
+                    </a:p>
+                  </a:txBody>
+                  <a:tcPr/>
+                </a:tc>
+                <a:extLst>
+                  <a:ext uri="{0D108BD9-81ED-4DB2-BD59-A6C34878D82A}">
+                    <a16:rowId xmlns:a16="http://schemas.microsoft.com/office/drawing/2014/main" val="10004"/>
+                  </a:ext>
+                </a:extLst>
               </a:tr>
             </a:tbl>
           </a:graphicData>
@@ -3851,14 +3938,13 @@
           <a:p>
             <a:pPr algn="ctr"/>
             <a:r>
-              <a:rPr lang="en-US" dirty="0" smtClean="0"/>
+              <a:rPr lang="en-US" dirty="0"/>
               <a:t>T</a:t>
             </a:r>
             <a:r>
-              <a:rPr lang="en-US" baseline="-25000" dirty="0" smtClean="0"/>
+              <a:rPr lang="en-US" baseline="-25000" dirty="0"/>
               <a:t>1</a:t>
             </a:r>
-            <a:endParaRPr lang="en-US" baseline="-25000" dirty="0"/>
           </a:p>
         </p:txBody>
       </p:sp>
@@ -3886,7 +3972,7 @@
           <a:p>
             <a:pPr algn="ctr"/>
             <a:r>
-              <a:rPr lang="en-US" dirty="0" smtClean="0"/>
+              <a:rPr lang="en-US" dirty="0"/>
               <a:t>T</a:t>
             </a:r>
             <a:r>
@@ -4087,13 +4173,6 @@
   <p:clrMapOvr>
     <a:masterClrMapping/>
   </p:clrMapOvr>
-  <p:timing>
-    <p:tnLst>
-      <p:par>
-        <p:cTn id="1" dur="indefinite" restart="never" nodeType="tmRoot"/>
-      </p:par>
-    </p:tnLst>
-  </p:timing>
 </p:sld>
 </file>
 
@@ -4136,7 +4215,7 @@
           <a:lstStyle/>
           <a:p>
             <a:r>
-              <a:rPr lang="en-US" sz="2200" i="1" dirty="0" smtClean="0"/>
+              <a:rPr lang="en-US" sz="2200" i="1" dirty="0"/>
               <a:t>H</a:t>
             </a:r>
             <a:r>
@@ -4144,32 +4223,31 @@
               <a:t>1</a:t>
             </a:r>
             <a:r>
-              <a:rPr lang="en-US" sz="2200" i="1" dirty="0" smtClean="0"/>
+              <a:rPr lang="en-US" sz="2200" i="1" dirty="0"/>
               <a:t>(k) = k % M</a:t>
             </a:r>
           </a:p>
           <a:p>
             <a:r>
-              <a:rPr lang="en-US" sz="2200" i="1" dirty="0" smtClean="0"/>
+              <a:rPr lang="en-US" sz="2200" i="1" dirty="0"/>
               <a:t>H</a:t>
             </a:r>
             <a:r>
-              <a:rPr lang="en-US" sz="2200" i="1" baseline="-25000" dirty="0" smtClean="0"/>
+              <a:rPr lang="en-US" sz="2200" i="1" baseline="-25000" dirty="0"/>
               <a:t>2</a:t>
             </a:r>
             <a:r>
-              <a:rPr lang="en-US" sz="2200" i="1" dirty="0" smtClean="0"/>
+              <a:rPr lang="en-US" sz="2200" i="1" dirty="0"/>
               <a:t>(k) = (3</a:t>
             </a:r>
             <a:r>
-              <a:rPr lang="en-US" sz="2200" i="1" baseline="30000" dirty="0" smtClean="0"/>
+              <a:rPr lang="en-US" sz="2200" i="1" baseline="30000" dirty="0"/>
               <a:t>k</a:t>
             </a:r>
             <a:r>
-              <a:rPr lang="en-US" sz="2200" i="1" dirty="0" smtClean="0"/>
+              <a:rPr lang="en-US" sz="2200" i="1" dirty="0"/>
               <a:t>) % M</a:t>
             </a:r>
-            <a:endParaRPr lang="en-US" sz="2200" i="1" dirty="0"/>
           </a:p>
         </p:txBody>
       </p:sp>
@@ -4182,7 +4260,7 @@
           <p:nvPr>
             <p:extLst>
               <p:ext uri="{D42A27DB-BD31-4B8C-83A1-F6EECF244321}">
-                <p14:modId xmlns:p14="http://schemas.microsoft.com/office/powerpoint/2010/main" val="3652607525"/>
+                <p14:modId xmlns:p14="http://schemas.microsoft.com/office/powerpoint/2010/main" val="2030704041"/>
               </p:ext>
             </p:extLst>
           </p:nvPr>
@@ -4198,7 +4276,13 @@
                 <a:tableStyleId>{5940675A-B579-460E-94D1-54222C63F5DA}</a:tableStyleId>
               </a:tblPr>
               <a:tblGrid>
-                <a:gridCol w="1105647"/>
+                <a:gridCol w="1105647">
+                  <a:extLst>
+                    <a:ext uri="{9D8B030D-6E8A-4147-A177-3AD203B41FA5}">
+                      <a16:colId xmlns:a16="http://schemas.microsoft.com/office/drawing/2014/main" val="20000"/>
+                    </a:ext>
+                  </a:extLst>
+                </a:gridCol>
               </a:tblGrid>
               <a:tr h="903941">
                 <a:tc>
@@ -4211,6 +4295,11 @@
                   </a:txBody>
                   <a:tcPr/>
                 </a:tc>
+                <a:extLst>
+                  <a:ext uri="{0D108BD9-81ED-4DB2-BD59-A6C34878D82A}">
+                    <a16:rowId xmlns:a16="http://schemas.microsoft.com/office/drawing/2014/main" val="10000"/>
+                  </a:ext>
+                </a:extLst>
               </a:tr>
               <a:tr h="903941">
                 <a:tc>
@@ -4220,22 +4309,22 @@
                     <a:p>
                       <a:pPr algn="ctr"/>
                       <a:r>
-                        <a:rPr lang="en-US" sz="3200" dirty="0" smtClean="0">
+                        <a:rPr lang="en-US" sz="3200" dirty="0">
                           <a:solidFill>
                             <a:schemeClr val="tx1"/>
                           </a:solidFill>
                         </a:rPr>
                         <a:t>6</a:t>
                       </a:r>
-                      <a:endParaRPr lang="en-US" sz="3200" dirty="0">
-                        <a:solidFill>
-                          <a:schemeClr val="tx1"/>
-                        </a:solidFill>
-                      </a:endParaRPr>
-                    </a:p>
-                  </a:txBody>
-                  <a:tcPr/>
-                </a:tc>
+                    </a:p>
+                  </a:txBody>
+                  <a:tcPr/>
+                </a:tc>
+                <a:extLst>
+                  <a:ext uri="{0D108BD9-81ED-4DB2-BD59-A6C34878D82A}">
+                    <a16:rowId xmlns:a16="http://schemas.microsoft.com/office/drawing/2014/main" val="10001"/>
+                  </a:ext>
+                </a:extLst>
               </a:tr>
               <a:tr h="903941">
                 <a:tc>
@@ -4248,6 +4337,11 @@
                   </a:txBody>
                   <a:tcPr/>
                 </a:tc>
+                <a:extLst>
+                  <a:ext uri="{0D108BD9-81ED-4DB2-BD59-A6C34878D82A}">
+                    <a16:rowId xmlns:a16="http://schemas.microsoft.com/office/drawing/2014/main" val="10002"/>
+                  </a:ext>
+                </a:extLst>
               </a:tr>
               <a:tr h="944880">
                 <a:tc>
@@ -4272,7 +4366,7 @@
                         <a:tabLst/>
                         <a:defRPr/>
                       </a:pPr>
-                      <a:endParaRPr lang="en-US" sz="3700" dirty="0" smtClean="0">
+                      <a:endParaRPr lang="en-US" sz="3700" dirty="0">
                         <a:solidFill>
                           <a:srgbClr val="000000"/>
                         </a:solidFill>
@@ -4284,6 +4378,11 @@
                   </a:txBody>
                   <a:tcPr/>
                 </a:tc>
+                <a:extLst>
+                  <a:ext uri="{0D108BD9-81ED-4DB2-BD59-A6C34878D82A}">
+                    <a16:rowId xmlns:a16="http://schemas.microsoft.com/office/drawing/2014/main" val="10003"/>
+                  </a:ext>
+                </a:extLst>
               </a:tr>
               <a:tr h="903941">
                 <a:tc>
@@ -4308,7 +4407,7 @@
                         <a:tabLst/>
                         <a:defRPr/>
                       </a:pPr>
-                      <a:endParaRPr kumimoji="0" lang="en-US" sz="3700" b="0" i="0" u="none" strike="noStrike" kern="1200" cap="none" spc="0" normalizeH="0" baseline="0" noProof="0" dirty="0" smtClean="0">
+                      <a:endParaRPr kumimoji="0" lang="en-US" sz="3700" b="0" i="0" u="none" strike="noStrike" kern="1200" cap="none" spc="0" normalizeH="0" baseline="0" noProof="0" dirty="0">
                         <a:ln>
                           <a:noFill/>
                         </a:ln>
@@ -4329,6 +4428,11 @@
                   </a:txBody>
                   <a:tcPr/>
                 </a:tc>
+                <a:extLst>
+                  <a:ext uri="{0D108BD9-81ED-4DB2-BD59-A6C34878D82A}">
+                    <a16:rowId xmlns:a16="http://schemas.microsoft.com/office/drawing/2014/main" val="10004"/>
+                  </a:ext>
+                </a:extLst>
               </a:tr>
             </a:tbl>
           </a:graphicData>
@@ -4343,7 +4447,7 @@
           <p:nvPr>
             <p:extLst>
               <p:ext uri="{D42A27DB-BD31-4B8C-83A1-F6EECF244321}">
-                <p14:modId xmlns:p14="http://schemas.microsoft.com/office/powerpoint/2010/main" val="869280282"/>
+                <p14:modId xmlns:p14="http://schemas.microsoft.com/office/powerpoint/2010/main" val="972766585"/>
               </p:ext>
             </p:extLst>
           </p:nvPr>
@@ -4359,7 +4463,13 @@
                 <a:tableStyleId>{2D5ABB26-0587-4C30-8999-92F81FD0307C}</a:tableStyleId>
               </a:tblPr>
               <a:tblGrid>
-                <a:gridCol w="1105647"/>
+                <a:gridCol w="1105647">
+                  <a:extLst>
+                    <a:ext uri="{9D8B030D-6E8A-4147-A177-3AD203B41FA5}">
+                      <a16:colId xmlns:a16="http://schemas.microsoft.com/office/drawing/2014/main" val="20000"/>
+                    </a:ext>
+                  </a:extLst>
+                </a:gridCol>
               </a:tblGrid>
               <a:tr h="903941">
                 <a:tc>
@@ -4369,14 +4479,18 @@
                     <a:p>
                       <a:pPr algn="r"/>
                       <a:r>
-                        <a:rPr lang="en-US" sz="3200" dirty="0" smtClean="0"/>
+                        <a:rPr lang="en-US" sz="3200" dirty="0"/>
                         <a:t>0</a:t>
                       </a:r>
-                      <a:endParaRPr lang="en-US" sz="3200" dirty="0"/>
-                    </a:p>
-                  </a:txBody>
-                  <a:tcPr/>
-                </a:tc>
+                    </a:p>
+                  </a:txBody>
+                  <a:tcPr/>
+                </a:tc>
+                <a:extLst>
+                  <a:ext uri="{0D108BD9-81ED-4DB2-BD59-A6C34878D82A}">
+                    <a16:rowId xmlns:a16="http://schemas.microsoft.com/office/drawing/2014/main" val="10000"/>
+                  </a:ext>
+                </a:extLst>
               </a:tr>
               <a:tr h="903941">
                 <a:tc>
@@ -4386,14 +4500,18 @@
                     <a:p>
                       <a:pPr algn="r"/>
                       <a:r>
-                        <a:rPr lang="en-US" sz="3200" dirty="0" smtClean="0"/>
+                        <a:rPr lang="en-US" sz="3200" dirty="0"/>
                         <a:t>1</a:t>
                       </a:r>
-                      <a:endParaRPr lang="en-US" sz="3200" dirty="0"/>
-                    </a:p>
-                  </a:txBody>
-                  <a:tcPr/>
-                </a:tc>
+                    </a:p>
+                  </a:txBody>
+                  <a:tcPr/>
+                </a:tc>
+                <a:extLst>
+                  <a:ext uri="{0D108BD9-81ED-4DB2-BD59-A6C34878D82A}">
+                    <a16:rowId xmlns:a16="http://schemas.microsoft.com/office/drawing/2014/main" val="10001"/>
+                  </a:ext>
+                </a:extLst>
               </a:tr>
               <a:tr h="903941">
                 <a:tc>
@@ -4403,14 +4521,18 @@
                     <a:p>
                       <a:pPr algn="r"/>
                       <a:r>
-                        <a:rPr lang="en-US" sz="3200" dirty="0" smtClean="0"/>
+                        <a:rPr lang="en-US" sz="3200" dirty="0"/>
                         <a:t>2</a:t>
                       </a:r>
-                      <a:endParaRPr lang="en-US" sz="3200" dirty="0"/>
-                    </a:p>
-                  </a:txBody>
-                  <a:tcPr/>
-                </a:tc>
+                    </a:p>
+                  </a:txBody>
+                  <a:tcPr/>
+                </a:tc>
+                <a:extLst>
+                  <a:ext uri="{0D108BD9-81ED-4DB2-BD59-A6C34878D82A}">
+                    <a16:rowId xmlns:a16="http://schemas.microsoft.com/office/drawing/2014/main" val="10002"/>
+                  </a:ext>
+                </a:extLst>
               </a:tr>
               <a:tr h="903941">
                 <a:tc>
@@ -4420,14 +4542,18 @@
                     <a:p>
                       <a:pPr algn="r"/>
                       <a:r>
-                        <a:rPr lang="en-US" sz="3200" dirty="0" smtClean="0"/>
+                        <a:rPr lang="en-US" sz="3200" dirty="0"/>
                         <a:t>3</a:t>
                       </a:r>
-                      <a:endParaRPr lang="en-US" sz="3200" dirty="0"/>
-                    </a:p>
-                  </a:txBody>
-                  <a:tcPr/>
-                </a:tc>
+                    </a:p>
+                  </a:txBody>
+                  <a:tcPr/>
+                </a:tc>
+                <a:extLst>
+                  <a:ext uri="{0D108BD9-81ED-4DB2-BD59-A6C34878D82A}">
+                    <a16:rowId xmlns:a16="http://schemas.microsoft.com/office/drawing/2014/main" val="10003"/>
+                  </a:ext>
+                </a:extLst>
               </a:tr>
               <a:tr h="903941">
                 <a:tc>
@@ -4437,14 +4563,18 @@
                     <a:p>
                       <a:pPr algn="r"/>
                       <a:r>
-                        <a:rPr lang="en-US" sz="3200" dirty="0" smtClean="0"/>
+                        <a:rPr lang="en-US" sz="3200" dirty="0"/>
                         <a:t>4</a:t>
                       </a:r>
-                      <a:endParaRPr lang="en-US" sz="3200" dirty="0"/>
-                    </a:p>
-                  </a:txBody>
-                  <a:tcPr/>
-                </a:tc>
+                    </a:p>
+                  </a:txBody>
+                  <a:tcPr/>
+                </a:tc>
+                <a:extLst>
+                  <a:ext uri="{0D108BD9-81ED-4DB2-BD59-A6C34878D82A}">
+                    <a16:rowId xmlns:a16="http://schemas.microsoft.com/office/drawing/2014/main" val="10004"/>
+                  </a:ext>
+                </a:extLst>
               </a:tr>
             </a:tbl>
           </a:graphicData>
@@ -4459,7 +4589,7 @@
           <p:nvPr>
             <p:extLst>
               <p:ext uri="{D42A27DB-BD31-4B8C-83A1-F6EECF244321}">
-                <p14:modId xmlns:p14="http://schemas.microsoft.com/office/powerpoint/2010/main" val="2381885099"/>
+                <p14:modId xmlns:p14="http://schemas.microsoft.com/office/powerpoint/2010/main" val="3825391807"/>
               </p:ext>
             </p:extLst>
           </p:nvPr>
@@ -4475,7 +4605,13 @@
                 <a:tableStyleId>{5940675A-B579-460E-94D1-54222C63F5DA}</a:tableStyleId>
               </a:tblPr>
               <a:tblGrid>
-                <a:gridCol w="1105647"/>
+                <a:gridCol w="1105647">
+                  <a:extLst>
+                    <a:ext uri="{9D8B030D-6E8A-4147-A177-3AD203B41FA5}">
+                      <a16:colId xmlns:a16="http://schemas.microsoft.com/office/drawing/2014/main" val="20000"/>
+                    </a:ext>
+                  </a:extLst>
+                </a:gridCol>
               </a:tblGrid>
               <a:tr h="903941">
                 <a:tc>
@@ -4488,6 +4624,11 @@
                   </a:txBody>
                   <a:tcPr/>
                 </a:tc>
+                <a:extLst>
+                  <a:ext uri="{0D108BD9-81ED-4DB2-BD59-A6C34878D82A}">
+                    <a16:rowId xmlns:a16="http://schemas.microsoft.com/office/drawing/2014/main" val="10000"/>
+                  </a:ext>
+                </a:extLst>
               </a:tr>
               <a:tr h="944880">
                 <a:tc>
@@ -4512,7 +4653,7 @@
                         <a:tabLst/>
                         <a:defRPr/>
                       </a:pPr>
-                      <a:endParaRPr kumimoji="0" lang="en-US" sz="3700" b="0" i="0" u="none" strike="noStrike" kern="1200" cap="none" spc="0" normalizeH="0" baseline="0" noProof="0" dirty="0" smtClean="0">
+                      <a:endParaRPr kumimoji="0" lang="en-US" sz="3700" b="0" i="0" u="none" strike="noStrike" kern="1200" cap="none" spc="0" normalizeH="0" baseline="0" noProof="0" dirty="0">
                         <a:ln>
                           <a:noFill/>
                         </a:ln>
@@ -4533,6 +4674,11 @@
                   </a:txBody>
                   <a:tcPr/>
                 </a:tc>
+                <a:extLst>
+                  <a:ext uri="{0D108BD9-81ED-4DB2-BD59-A6C34878D82A}">
+                    <a16:rowId xmlns:a16="http://schemas.microsoft.com/office/drawing/2014/main" val="10001"/>
+                  </a:ext>
+                </a:extLst>
               </a:tr>
               <a:tr h="903941">
                 <a:tc>
@@ -4562,6 +4708,11 @@
                   </a:txBody>
                   <a:tcPr/>
                 </a:tc>
+                <a:extLst>
+                  <a:ext uri="{0D108BD9-81ED-4DB2-BD59-A6C34878D82A}">
+                    <a16:rowId xmlns:a16="http://schemas.microsoft.com/office/drawing/2014/main" val="10002"/>
+                  </a:ext>
+                </a:extLst>
               </a:tr>
               <a:tr h="944880">
                 <a:tc>
@@ -4587,7 +4738,7 @@
                         <a:defRPr/>
                       </a:pPr>
                       <a:r>
-                        <a:rPr kumimoji="0" lang="en-US" sz="3700" b="0" i="0" u="none" strike="noStrike" kern="1200" cap="none" spc="0" normalizeH="0" baseline="0" noProof="0" dirty="0" smtClean="0">
+                        <a:rPr kumimoji="0" lang="en-US" sz="3700" b="0" i="0" u="none" strike="noStrike" kern="1200" cap="none" spc="0" normalizeH="0" baseline="0" noProof="0" dirty="0">
                           <a:ln>
                             <a:noFill/>
                           </a:ln>
@@ -4610,6 +4761,11 @@
                   </a:txBody>
                   <a:tcPr/>
                 </a:tc>
+                <a:extLst>
+                  <a:ext uri="{0D108BD9-81ED-4DB2-BD59-A6C34878D82A}">
+                    <a16:rowId xmlns:a16="http://schemas.microsoft.com/office/drawing/2014/main" val="10003"/>
+                  </a:ext>
+                </a:extLst>
               </a:tr>
               <a:tr h="944880">
                 <a:tc>
@@ -4634,7 +4790,7 @@
                         <a:tabLst/>
                         <a:defRPr/>
                       </a:pPr>
-                      <a:endParaRPr lang="en-US" sz="3700" dirty="0" smtClean="0">
+                      <a:endParaRPr lang="en-US" sz="3700" dirty="0">
                         <a:solidFill>
                           <a:schemeClr val="tx1"/>
                         </a:solidFill>
@@ -4646,6 +4802,11 @@
                   </a:txBody>
                   <a:tcPr/>
                 </a:tc>
+                <a:extLst>
+                  <a:ext uri="{0D108BD9-81ED-4DB2-BD59-A6C34878D82A}">
+                    <a16:rowId xmlns:a16="http://schemas.microsoft.com/office/drawing/2014/main" val="10004"/>
+                  </a:ext>
+                </a:extLst>
               </a:tr>
             </a:tbl>
           </a:graphicData>
@@ -4660,7 +4821,7 @@
           <p:nvPr>
             <p:extLst>
               <p:ext uri="{D42A27DB-BD31-4B8C-83A1-F6EECF244321}">
-                <p14:modId xmlns:p14="http://schemas.microsoft.com/office/powerpoint/2010/main" val="61073760"/>
+                <p14:modId xmlns:p14="http://schemas.microsoft.com/office/powerpoint/2010/main" val="3158426675"/>
               </p:ext>
             </p:extLst>
           </p:nvPr>
@@ -4676,7 +4837,13 @@
                 <a:tableStyleId>{2D5ABB26-0587-4C30-8999-92F81FD0307C}</a:tableStyleId>
               </a:tblPr>
               <a:tblGrid>
-                <a:gridCol w="1105647"/>
+                <a:gridCol w="1105647">
+                  <a:extLst>
+                    <a:ext uri="{9D8B030D-6E8A-4147-A177-3AD203B41FA5}">
+                      <a16:colId xmlns:a16="http://schemas.microsoft.com/office/drawing/2014/main" val="20000"/>
+                    </a:ext>
+                  </a:extLst>
+                </a:gridCol>
               </a:tblGrid>
               <a:tr h="903941">
                 <a:tc>
@@ -4686,14 +4853,18 @@
                     <a:p>
                       <a:pPr algn="l"/>
                       <a:r>
-                        <a:rPr lang="en-US" sz="3200" dirty="0" smtClean="0"/>
+                        <a:rPr lang="en-US" sz="3200" dirty="0"/>
                         <a:t>0</a:t>
                       </a:r>
-                      <a:endParaRPr lang="en-US" sz="3200" dirty="0"/>
-                    </a:p>
-                  </a:txBody>
-                  <a:tcPr/>
-                </a:tc>
+                    </a:p>
+                  </a:txBody>
+                  <a:tcPr/>
+                </a:tc>
+                <a:extLst>
+                  <a:ext uri="{0D108BD9-81ED-4DB2-BD59-A6C34878D82A}">
+                    <a16:rowId xmlns:a16="http://schemas.microsoft.com/office/drawing/2014/main" val="10000"/>
+                  </a:ext>
+                </a:extLst>
               </a:tr>
               <a:tr h="903941">
                 <a:tc>
@@ -4703,14 +4874,18 @@
                     <a:p>
                       <a:pPr algn="l"/>
                       <a:r>
-                        <a:rPr lang="en-US" sz="3200" dirty="0" smtClean="0"/>
+                        <a:rPr lang="en-US" sz="3200" dirty="0"/>
                         <a:t>1</a:t>
                       </a:r>
-                      <a:endParaRPr lang="en-US" sz="3200" dirty="0"/>
-                    </a:p>
-                  </a:txBody>
-                  <a:tcPr/>
-                </a:tc>
+                    </a:p>
+                  </a:txBody>
+                  <a:tcPr/>
+                </a:tc>
+                <a:extLst>
+                  <a:ext uri="{0D108BD9-81ED-4DB2-BD59-A6C34878D82A}">
+                    <a16:rowId xmlns:a16="http://schemas.microsoft.com/office/drawing/2014/main" val="10001"/>
+                  </a:ext>
+                </a:extLst>
               </a:tr>
               <a:tr h="903941">
                 <a:tc>
@@ -4720,14 +4895,18 @@
                     <a:p>
                       <a:pPr algn="l"/>
                       <a:r>
-                        <a:rPr lang="en-US" sz="3200" dirty="0" smtClean="0"/>
+                        <a:rPr lang="en-US" sz="3200" dirty="0"/>
                         <a:t>2</a:t>
                       </a:r>
-                      <a:endParaRPr lang="en-US" sz="3200" dirty="0"/>
-                    </a:p>
-                  </a:txBody>
-                  <a:tcPr/>
-                </a:tc>
+                    </a:p>
+                  </a:txBody>
+                  <a:tcPr/>
+                </a:tc>
+                <a:extLst>
+                  <a:ext uri="{0D108BD9-81ED-4DB2-BD59-A6C34878D82A}">
+                    <a16:rowId xmlns:a16="http://schemas.microsoft.com/office/drawing/2014/main" val="10002"/>
+                  </a:ext>
+                </a:extLst>
               </a:tr>
               <a:tr h="903941">
                 <a:tc>
@@ -4737,14 +4916,18 @@
                     <a:p>
                       <a:pPr algn="l"/>
                       <a:r>
-                        <a:rPr lang="en-US" sz="3200" dirty="0" smtClean="0"/>
+                        <a:rPr lang="en-US" sz="3200" dirty="0"/>
                         <a:t>3</a:t>
                       </a:r>
-                      <a:endParaRPr lang="en-US" sz="3200" dirty="0"/>
-                    </a:p>
-                  </a:txBody>
-                  <a:tcPr/>
-                </a:tc>
+                    </a:p>
+                  </a:txBody>
+                  <a:tcPr/>
+                </a:tc>
+                <a:extLst>
+                  <a:ext uri="{0D108BD9-81ED-4DB2-BD59-A6C34878D82A}">
+                    <a16:rowId xmlns:a16="http://schemas.microsoft.com/office/drawing/2014/main" val="10003"/>
+                  </a:ext>
+                </a:extLst>
               </a:tr>
               <a:tr h="903941">
                 <a:tc>
@@ -4754,14 +4937,18 @@
                     <a:p>
                       <a:pPr algn="l"/>
                       <a:r>
-                        <a:rPr lang="en-US" sz="3200" dirty="0" smtClean="0"/>
+                        <a:rPr lang="en-US" sz="3200" dirty="0"/>
                         <a:t>4</a:t>
                       </a:r>
-                      <a:endParaRPr lang="en-US" sz="3200" dirty="0"/>
-                    </a:p>
-                  </a:txBody>
-                  <a:tcPr/>
-                </a:tc>
+                    </a:p>
+                  </a:txBody>
+                  <a:tcPr/>
+                </a:tc>
+                <a:extLst>
+                  <a:ext uri="{0D108BD9-81ED-4DB2-BD59-A6C34878D82A}">
+                    <a16:rowId xmlns:a16="http://schemas.microsoft.com/office/drawing/2014/main" val="10004"/>
+                  </a:ext>
+                </a:extLst>
               </a:tr>
             </a:tbl>
           </a:graphicData>
@@ -4791,14 +4978,13 @@
           <a:p>
             <a:pPr algn="ctr"/>
             <a:r>
-              <a:rPr lang="en-US" dirty="0" smtClean="0"/>
+              <a:rPr lang="en-US" dirty="0"/>
               <a:t>T</a:t>
             </a:r>
             <a:r>
-              <a:rPr lang="en-US" baseline="-25000" dirty="0" smtClean="0"/>
+              <a:rPr lang="en-US" baseline="-25000" dirty="0"/>
               <a:t>1</a:t>
             </a:r>
-            <a:endParaRPr lang="en-US" baseline="-25000" dirty="0"/>
           </a:p>
         </p:txBody>
       </p:sp>
@@ -4826,7 +5012,7 @@
           <a:p>
             <a:pPr algn="ctr"/>
             <a:r>
-              <a:rPr lang="en-US" dirty="0" smtClean="0"/>
+              <a:rPr lang="en-US" dirty="0"/>
               <a:t>T</a:t>
             </a:r>
             <a:r>
@@ -4846,13 +5032,6 @@
   <p:clrMapOvr>
     <a:masterClrMapping/>
   </p:clrMapOvr>
-  <p:timing>
-    <p:tnLst>
-      <p:par>
-        <p:cTn id="1" dur="indefinite" restart="never" nodeType="tmRoot"/>
-      </p:par>
-    </p:tnLst>
-  </p:timing>
 </p:sld>
 </file>
 
@@ -4895,7 +5074,7 @@
           <a:lstStyle/>
           <a:p>
             <a:r>
-              <a:rPr lang="en-US" sz="2200" i="1" dirty="0" smtClean="0"/>
+              <a:rPr lang="en-US" sz="2200" i="1" dirty="0"/>
               <a:t>H</a:t>
             </a:r>
             <a:r>
@@ -4903,32 +5082,31 @@
               <a:t>1</a:t>
             </a:r>
             <a:r>
-              <a:rPr lang="en-US" sz="2200" i="1" dirty="0" smtClean="0"/>
+              <a:rPr lang="en-US" sz="2200" i="1" dirty="0"/>
               <a:t>(k) = k % M</a:t>
             </a:r>
           </a:p>
           <a:p>
             <a:r>
-              <a:rPr lang="en-US" sz="2200" i="1" dirty="0" smtClean="0"/>
+              <a:rPr lang="en-US" sz="2200" i="1" dirty="0"/>
               <a:t>H</a:t>
             </a:r>
             <a:r>
-              <a:rPr lang="en-US" sz="2200" i="1" baseline="-25000" dirty="0" smtClean="0"/>
+              <a:rPr lang="en-US" sz="2200" i="1" baseline="-25000" dirty="0"/>
               <a:t>2</a:t>
             </a:r>
             <a:r>
-              <a:rPr lang="en-US" sz="2200" i="1" dirty="0" smtClean="0"/>
+              <a:rPr lang="en-US" sz="2200" i="1" dirty="0"/>
               <a:t>(k) = (3</a:t>
             </a:r>
             <a:r>
-              <a:rPr lang="en-US" sz="2200" i="1" baseline="30000" dirty="0" smtClean="0"/>
+              <a:rPr lang="en-US" sz="2200" i="1" baseline="30000" dirty="0"/>
               <a:t>k</a:t>
             </a:r>
             <a:r>
-              <a:rPr lang="en-US" sz="2200" i="1" dirty="0" smtClean="0"/>
+              <a:rPr lang="en-US" sz="2200" i="1" dirty="0"/>
               <a:t>) % M</a:t>
             </a:r>
-            <a:endParaRPr lang="en-US" sz="2200" i="1" dirty="0"/>
           </a:p>
         </p:txBody>
       </p:sp>
@@ -4957,7 +5135,13 @@
                 <a:tableStyleId>{5940675A-B579-460E-94D1-54222C63F5DA}</a:tableStyleId>
               </a:tblPr>
               <a:tblGrid>
-                <a:gridCol w="1105647"/>
+                <a:gridCol w="1105647">
+                  <a:extLst>
+                    <a:ext uri="{9D8B030D-6E8A-4147-A177-3AD203B41FA5}">
+                      <a16:colId xmlns:a16="http://schemas.microsoft.com/office/drawing/2014/main" val="20000"/>
+                    </a:ext>
+                  </a:extLst>
+                </a:gridCol>
               </a:tblGrid>
               <a:tr h="903941">
                 <a:tc>
@@ -4970,6 +5154,11 @@
                   </a:txBody>
                   <a:tcPr/>
                 </a:tc>
+                <a:extLst>
+                  <a:ext uri="{0D108BD9-81ED-4DB2-BD59-A6C34878D82A}">
+                    <a16:rowId xmlns:a16="http://schemas.microsoft.com/office/drawing/2014/main" val="10000"/>
+                  </a:ext>
+                </a:extLst>
               </a:tr>
               <a:tr h="903941">
                 <a:tc>
@@ -4979,22 +5168,22 @@
                     <a:p>
                       <a:pPr algn="ctr"/>
                       <a:r>
-                        <a:rPr lang="en-US" sz="3200" dirty="0" smtClean="0">
+                        <a:rPr lang="en-US" sz="3200" dirty="0">
                           <a:solidFill>
                             <a:schemeClr val="tx1"/>
                           </a:solidFill>
                         </a:rPr>
                         <a:t>11</a:t>
                       </a:r>
-                      <a:endParaRPr lang="en-US" sz="3200" dirty="0">
-                        <a:solidFill>
-                          <a:schemeClr val="tx1"/>
-                        </a:solidFill>
-                      </a:endParaRPr>
-                    </a:p>
-                  </a:txBody>
-                  <a:tcPr/>
-                </a:tc>
+                    </a:p>
+                  </a:txBody>
+                  <a:tcPr/>
+                </a:tc>
+                <a:extLst>
+                  <a:ext uri="{0D108BD9-81ED-4DB2-BD59-A6C34878D82A}">
+                    <a16:rowId xmlns:a16="http://schemas.microsoft.com/office/drawing/2014/main" val="10001"/>
+                  </a:ext>
+                </a:extLst>
               </a:tr>
               <a:tr h="903941">
                 <a:tc>
@@ -5007,6 +5196,11 @@
                   </a:txBody>
                   <a:tcPr/>
                 </a:tc>
+                <a:extLst>
+                  <a:ext uri="{0D108BD9-81ED-4DB2-BD59-A6C34878D82A}">
+                    <a16:rowId xmlns:a16="http://schemas.microsoft.com/office/drawing/2014/main" val="10002"/>
+                  </a:ext>
+                </a:extLst>
               </a:tr>
               <a:tr h="944880">
                 <a:tc>
@@ -5031,7 +5225,7 @@
                         <a:tabLst/>
                         <a:defRPr/>
                       </a:pPr>
-                      <a:endParaRPr lang="en-US" sz="3700" dirty="0" smtClean="0">
+                      <a:endParaRPr lang="en-US" sz="3700" dirty="0">
                         <a:solidFill>
                           <a:srgbClr val="000000"/>
                         </a:solidFill>
@@ -5043,6 +5237,11 @@
                   </a:txBody>
                   <a:tcPr/>
                 </a:tc>
+                <a:extLst>
+                  <a:ext uri="{0D108BD9-81ED-4DB2-BD59-A6C34878D82A}">
+                    <a16:rowId xmlns:a16="http://schemas.microsoft.com/office/drawing/2014/main" val="10003"/>
+                  </a:ext>
+                </a:extLst>
               </a:tr>
               <a:tr h="903941">
                 <a:tc>
@@ -5067,7 +5266,7 @@
                         <a:tabLst/>
                         <a:defRPr/>
                       </a:pPr>
-                      <a:endParaRPr kumimoji="0" lang="en-US" sz="3700" b="0" i="0" u="none" strike="noStrike" kern="1200" cap="none" spc="0" normalizeH="0" baseline="0" noProof="0" dirty="0" smtClean="0">
+                      <a:endParaRPr kumimoji="0" lang="en-US" sz="3700" b="0" i="0" u="none" strike="noStrike" kern="1200" cap="none" spc="0" normalizeH="0" baseline="0" noProof="0" dirty="0">
                         <a:ln>
                           <a:noFill/>
                         </a:ln>
@@ -5088,6 +5287,11 @@
                   </a:txBody>
                   <a:tcPr/>
                 </a:tc>
+                <a:extLst>
+                  <a:ext uri="{0D108BD9-81ED-4DB2-BD59-A6C34878D82A}">
+                    <a16:rowId xmlns:a16="http://schemas.microsoft.com/office/drawing/2014/main" val="10004"/>
+                  </a:ext>
+                </a:extLst>
               </a:tr>
             </a:tbl>
           </a:graphicData>
@@ -5118,7 +5322,13 @@
                 <a:tableStyleId>{2D5ABB26-0587-4C30-8999-92F81FD0307C}</a:tableStyleId>
               </a:tblPr>
               <a:tblGrid>
-                <a:gridCol w="1105647"/>
+                <a:gridCol w="1105647">
+                  <a:extLst>
+                    <a:ext uri="{9D8B030D-6E8A-4147-A177-3AD203B41FA5}">
+                      <a16:colId xmlns:a16="http://schemas.microsoft.com/office/drawing/2014/main" val="20000"/>
+                    </a:ext>
+                  </a:extLst>
+                </a:gridCol>
               </a:tblGrid>
               <a:tr h="903941">
                 <a:tc>
@@ -5128,14 +5338,18 @@
                     <a:p>
                       <a:pPr algn="r"/>
                       <a:r>
-                        <a:rPr lang="en-US" sz="3200" dirty="0" smtClean="0"/>
+                        <a:rPr lang="en-US" sz="3200" dirty="0"/>
                         <a:t>0</a:t>
                       </a:r>
-                      <a:endParaRPr lang="en-US" sz="3200" dirty="0"/>
-                    </a:p>
-                  </a:txBody>
-                  <a:tcPr/>
-                </a:tc>
+                    </a:p>
+                  </a:txBody>
+                  <a:tcPr/>
+                </a:tc>
+                <a:extLst>
+                  <a:ext uri="{0D108BD9-81ED-4DB2-BD59-A6C34878D82A}">
+                    <a16:rowId xmlns:a16="http://schemas.microsoft.com/office/drawing/2014/main" val="10000"/>
+                  </a:ext>
+                </a:extLst>
               </a:tr>
               <a:tr h="903941">
                 <a:tc>
@@ -5145,14 +5359,18 @@
                     <a:p>
                       <a:pPr algn="r"/>
                       <a:r>
-                        <a:rPr lang="en-US" sz="3200" dirty="0" smtClean="0"/>
+                        <a:rPr lang="en-US" sz="3200" dirty="0"/>
                         <a:t>1</a:t>
                       </a:r>
-                      <a:endParaRPr lang="en-US" sz="3200" dirty="0"/>
-                    </a:p>
-                  </a:txBody>
-                  <a:tcPr/>
-                </a:tc>
+                    </a:p>
+                  </a:txBody>
+                  <a:tcPr/>
+                </a:tc>
+                <a:extLst>
+                  <a:ext uri="{0D108BD9-81ED-4DB2-BD59-A6C34878D82A}">
+                    <a16:rowId xmlns:a16="http://schemas.microsoft.com/office/drawing/2014/main" val="10001"/>
+                  </a:ext>
+                </a:extLst>
               </a:tr>
               <a:tr h="903941">
                 <a:tc>
@@ -5162,14 +5380,18 @@
                     <a:p>
                       <a:pPr algn="r"/>
                       <a:r>
-                        <a:rPr lang="en-US" sz="3200" dirty="0" smtClean="0"/>
+                        <a:rPr lang="en-US" sz="3200" dirty="0"/>
                         <a:t>2</a:t>
                       </a:r>
-                      <a:endParaRPr lang="en-US" sz="3200" dirty="0"/>
-                    </a:p>
-                  </a:txBody>
-                  <a:tcPr/>
-                </a:tc>
+                    </a:p>
+                  </a:txBody>
+                  <a:tcPr/>
+                </a:tc>
+                <a:extLst>
+                  <a:ext uri="{0D108BD9-81ED-4DB2-BD59-A6C34878D82A}">
+                    <a16:rowId xmlns:a16="http://schemas.microsoft.com/office/drawing/2014/main" val="10002"/>
+                  </a:ext>
+                </a:extLst>
               </a:tr>
               <a:tr h="903941">
                 <a:tc>
@@ -5179,14 +5401,18 @@
                     <a:p>
                       <a:pPr algn="r"/>
                       <a:r>
-                        <a:rPr lang="en-US" sz="3200" dirty="0" smtClean="0"/>
+                        <a:rPr lang="en-US" sz="3200" dirty="0"/>
                         <a:t>3</a:t>
                       </a:r>
-                      <a:endParaRPr lang="en-US" sz="3200" dirty="0"/>
-                    </a:p>
-                  </a:txBody>
-                  <a:tcPr/>
-                </a:tc>
+                    </a:p>
+                  </a:txBody>
+                  <a:tcPr/>
+                </a:tc>
+                <a:extLst>
+                  <a:ext uri="{0D108BD9-81ED-4DB2-BD59-A6C34878D82A}">
+                    <a16:rowId xmlns:a16="http://schemas.microsoft.com/office/drawing/2014/main" val="10003"/>
+                  </a:ext>
+                </a:extLst>
               </a:tr>
               <a:tr h="903941">
                 <a:tc>
@@ -5196,14 +5422,18 @@
                     <a:p>
                       <a:pPr algn="r"/>
                       <a:r>
-                        <a:rPr lang="en-US" sz="3200" dirty="0" smtClean="0"/>
+                        <a:rPr lang="en-US" sz="3200" dirty="0"/>
                         <a:t>4</a:t>
                       </a:r>
-                      <a:endParaRPr lang="en-US" sz="3200" dirty="0"/>
-                    </a:p>
-                  </a:txBody>
-                  <a:tcPr/>
-                </a:tc>
+                    </a:p>
+                  </a:txBody>
+                  <a:tcPr/>
+                </a:tc>
+                <a:extLst>
+                  <a:ext uri="{0D108BD9-81ED-4DB2-BD59-A6C34878D82A}">
+                    <a16:rowId xmlns:a16="http://schemas.microsoft.com/office/drawing/2014/main" val="10004"/>
+                  </a:ext>
+                </a:extLst>
               </a:tr>
             </a:tbl>
           </a:graphicData>
@@ -5234,7 +5464,13 @@
                 <a:tableStyleId>{5940675A-B579-460E-94D1-54222C63F5DA}</a:tableStyleId>
               </a:tblPr>
               <a:tblGrid>
-                <a:gridCol w="1105647"/>
+                <a:gridCol w="1105647">
+                  <a:extLst>
+                    <a:ext uri="{9D8B030D-6E8A-4147-A177-3AD203B41FA5}">
+                      <a16:colId xmlns:a16="http://schemas.microsoft.com/office/drawing/2014/main" val="20000"/>
+                    </a:ext>
+                  </a:extLst>
+                </a:gridCol>
               </a:tblGrid>
               <a:tr h="903941">
                 <a:tc>
@@ -5247,6 +5483,11 @@
                   </a:txBody>
                   <a:tcPr/>
                 </a:tc>
+                <a:extLst>
+                  <a:ext uri="{0D108BD9-81ED-4DB2-BD59-A6C34878D82A}">
+                    <a16:rowId xmlns:a16="http://schemas.microsoft.com/office/drawing/2014/main" val="10000"/>
+                  </a:ext>
+                </a:extLst>
               </a:tr>
               <a:tr h="944880">
                 <a:tc>
@@ -5271,7 +5512,7 @@
                         <a:tabLst/>
                         <a:defRPr/>
                       </a:pPr>
-                      <a:endParaRPr kumimoji="0" lang="en-US" sz="3700" b="0" i="0" u="none" strike="noStrike" kern="1200" cap="none" spc="0" normalizeH="0" baseline="0" noProof="0" dirty="0" smtClean="0">
+                      <a:endParaRPr kumimoji="0" lang="en-US" sz="3700" b="0" i="0" u="none" strike="noStrike" kern="1200" cap="none" spc="0" normalizeH="0" baseline="0" noProof="0" dirty="0">
                         <a:ln>
                           <a:noFill/>
                         </a:ln>
@@ -5292,6 +5533,11 @@
                   </a:txBody>
                   <a:tcPr/>
                 </a:tc>
+                <a:extLst>
+                  <a:ext uri="{0D108BD9-81ED-4DB2-BD59-A6C34878D82A}">
+                    <a16:rowId xmlns:a16="http://schemas.microsoft.com/office/drawing/2014/main" val="10001"/>
+                  </a:ext>
+                </a:extLst>
               </a:tr>
               <a:tr h="903941">
                 <a:tc>
@@ -5321,6 +5567,11 @@
                   </a:txBody>
                   <a:tcPr/>
                 </a:tc>
+                <a:extLst>
+                  <a:ext uri="{0D108BD9-81ED-4DB2-BD59-A6C34878D82A}">
+                    <a16:rowId xmlns:a16="http://schemas.microsoft.com/office/drawing/2014/main" val="10002"/>
+                  </a:ext>
+                </a:extLst>
               </a:tr>
               <a:tr h="944880">
                 <a:tc>
@@ -5346,7 +5597,7 @@
                         <a:defRPr/>
                       </a:pPr>
                       <a:r>
-                        <a:rPr kumimoji="0" lang="en-US" sz="3700" b="0" i="0" u="none" strike="noStrike" kern="1200" cap="none" spc="0" normalizeH="0" baseline="0" noProof="0" dirty="0" smtClean="0">
+                        <a:rPr kumimoji="0" lang="en-US" sz="3700" b="0" i="0" u="none" strike="noStrike" kern="1200" cap="none" spc="0" normalizeH="0" baseline="0" noProof="0" dirty="0">
                           <a:ln>
                             <a:noFill/>
                           </a:ln>
@@ -5369,6 +5620,11 @@
                   </a:txBody>
                   <a:tcPr/>
                 </a:tc>
+                <a:extLst>
+                  <a:ext uri="{0D108BD9-81ED-4DB2-BD59-A6C34878D82A}">
+                    <a16:rowId xmlns:a16="http://schemas.microsoft.com/office/drawing/2014/main" val="10003"/>
+                  </a:ext>
+                </a:extLst>
               </a:tr>
               <a:tr h="944880">
                 <a:tc>
@@ -5394,7 +5650,7 @@
                         <a:defRPr/>
                       </a:pPr>
                       <a:r>
-                        <a:rPr lang="en-US" sz="3700" dirty="0" smtClean="0">
+                        <a:rPr lang="en-US" sz="3700" dirty="0">
                           <a:solidFill>
                             <a:schemeClr val="tx1"/>
                           </a:solidFill>
@@ -5408,6 +5664,11 @@
                   </a:txBody>
                   <a:tcPr/>
                 </a:tc>
+                <a:extLst>
+                  <a:ext uri="{0D108BD9-81ED-4DB2-BD59-A6C34878D82A}">
+                    <a16:rowId xmlns:a16="http://schemas.microsoft.com/office/drawing/2014/main" val="10004"/>
+                  </a:ext>
+                </a:extLst>
               </a:tr>
             </a:tbl>
           </a:graphicData>
@@ -5438,7 +5699,13 @@
                 <a:tableStyleId>{2D5ABB26-0587-4C30-8999-92F81FD0307C}</a:tableStyleId>
               </a:tblPr>
               <a:tblGrid>
-                <a:gridCol w="1105647"/>
+                <a:gridCol w="1105647">
+                  <a:extLst>
+                    <a:ext uri="{9D8B030D-6E8A-4147-A177-3AD203B41FA5}">
+                      <a16:colId xmlns:a16="http://schemas.microsoft.com/office/drawing/2014/main" val="20000"/>
+                    </a:ext>
+                  </a:extLst>
+                </a:gridCol>
               </a:tblGrid>
               <a:tr h="903941">
                 <a:tc>
@@ -5448,14 +5715,18 @@
                     <a:p>
                       <a:pPr algn="l"/>
                       <a:r>
-                        <a:rPr lang="en-US" sz="3200" dirty="0" smtClean="0"/>
+                        <a:rPr lang="en-US" sz="3200" dirty="0"/>
                         <a:t>0</a:t>
                       </a:r>
-                      <a:endParaRPr lang="en-US" sz="3200" dirty="0"/>
-                    </a:p>
-                  </a:txBody>
-                  <a:tcPr/>
-                </a:tc>
+                    </a:p>
+                  </a:txBody>
+                  <a:tcPr/>
+                </a:tc>
+                <a:extLst>
+                  <a:ext uri="{0D108BD9-81ED-4DB2-BD59-A6C34878D82A}">
+                    <a16:rowId xmlns:a16="http://schemas.microsoft.com/office/drawing/2014/main" val="10000"/>
+                  </a:ext>
+                </a:extLst>
               </a:tr>
               <a:tr h="903941">
                 <a:tc>
@@ -5465,14 +5736,18 @@
                     <a:p>
                       <a:pPr algn="l"/>
                       <a:r>
-                        <a:rPr lang="en-US" sz="3200" dirty="0" smtClean="0"/>
+                        <a:rPr lang="en-US" sz="3200" dirty="0"/>
                         <a:t>1</a:t>
                       </a:r>
-                      <a:endParaRPr lang="en-US" sz="3200" dirty="0"/>
-                    </a:p>
-                  </a:txBody>
-                  <a:tcPr/>
-                </a:tc>
+                    </a:p>
+                  </a:txBody>
+                  <a:tcPr/>
+                </a:tc>
+                <a:extLst>
+                  <a:ext uri="{0D108BD9-81ED-4DB2-BD59-A6C34878D82A}">
+                    <a16:rowId xmlns:a16="http://schemas.microsoft.com/office/drawing/2014/main" val="10001"/>
+                  </a:ext>
+                </a:extLst>
               </a:tr>
               <a:tr h="903941">
                 <a:tc>
@@ -5482,14 +5757,18 @@
                     <a:p>
                       <a:pPr algn="l"/>
                       <a:r>
-                        <a:rPr lang="en-US" sz="3200" dirty="0" smtClean="0"/>
+                        <a:rPr lang="en-US" sz="3200" dirty="0"/>
                         <a:t>2</a:t>
                       </a:r>
-                      <a:endParaRPr lang="en-US" sz="3200" dirty="0"/>
-                    </a:p>
-                  </a:txBody>
-                  <a:tcPr/>
-                </a:tc>
+                    </a:p>
+                  </a:txBody>
+                  <a:tcPr/>
+                </a:tc>
+                <a:extLst>
+                  <a:ext uri="{0D108BD9-81ED-4DB2-BD59-A6C34878D82A}">
+                    <a16:rowId xmlns:a16="http://schemas.microsoft.com/office/drawing/2014/main" val="10002"/>
+                  </a:ext>
+                </a:extLst>
               </a:tr>
               <a:tr h="903941">
                 <a:tc>
@@ -5499,14 +5778,18 @@
                     <a:p>
                       <a:pPr algn="l"/>
                       <a:r>
-                        <a:rPr lang="en-US" sz="3200" dirty="0" smtClean="0"/>
+                        <a:rPr lang="en-US" sz="3200" dirty="0"/>
                         <a:t>3</a:t>
                       </a:r>
-                      <a:endParaRPr lang="en-US" sz="3200" dirty="0"/>
-                    </a:p>
-                  </a:txBody>
-                  <a:tcPr/>
-                </a:tc>
+                    </a:p>
+                  </a:txBody>
+                  <a:tcPr/>
+                </a:tc>
+                <a:extLst>
+                  <a:ext uri="{0D108BD9-81ED-4DB2-BD59-A6C34878D82A}">
+                    <a16:rowId xmlns:a16="http://schemas.microsoft.com/office/drawing/2014/main" val="10003"/>
+                  </a:ext>
+                </a:extLst>
               </a:tr>
               <a:tr h="903941">
                 <a:tc>
@@ -5516,14 +5799,18 @@
                     <a:p>
                       <a:pPr algn="l"/>
                       <a:r>
-                        <a:rPr lang="en-US" sz="3200" dirty="0" smtClean="0"/>
+                        <a:rPr lang="en-US" sz="3200" dirty="0"/>
                         <a:t>4</a:t>
                       </a:r>
-                      <a:endParaRPr lang="en-US" sz="3200" dirty="0"/>
-                    </a:p>
-                  </a:txBody>
-                  <a:tcPr/>
-                </a:tc>
+                    </a:p>
+                  </a:txBody>
+                  <a:tcPr/>
+                </a:tc>
+                <a:extLst>
+                  <a:ext uri="{0D108BD9-81ED-4DB2-BD59-A6C34878D82A}">
+                    <a16:rowId xmlns:a16="http://schemas.microsoft.com/office/drawing/2014/main" val="10004"/>
+                  </a:ext>
+                </a:extLst>
               </a:tr>
             </a:tbl>
           </a:graphicData>
@@ -5553,14 +5840,13 @@
           <a:p>
             <a:pPr algn="ctr"/>
             <a:r>
-              <a:rPr lang="en-US" dirty="0" smtClean="0"/>
+              <a:rPr lang="en-US" dirty="0"/>
               <a:t>T</a:t>
             </a:r>
             <a:r>
-              <a:rPr lang="en-US" baseline="-25000" dirty="0" smtClean="0"/>
+              <a:rPr lang="en-US" baseline="-25000" dirty="0"/>
               <a:t>1</a:t>
             </a:r>
-            <a:endParaRPr lang="en-US" baseline="-25000" dirty="0"/>
           </a:p>
         </p:txBody>
       </p:sp>
@@ -5588,7 +5874,7 @@
           <a:p>
             <a:pPr algn="ctr"/>
             <a:r>
-              <a:rPr lang="en-US" dirty="0" smtClean="0"/>
+              <a:rPr lang="en-US" dirty="0"/>
               <a:t>T</a:t>
             </a:r>
             <a:r>
@@ -5608,13 +5894,6 @@
   <p:clrMapOvr>
     <a:masterClrMapping/>
   </p:clrMapOvr>
-  <p:timing>
-    <p:tnLst>
-      <p:par>
-        <p:cTn id="1" dur="indefinite" restart="never" nodeType="tmRoot"/>
-      </p:par>
-    </p:tnLst>
-  </p:timing>
 </p:sld>
 </file>
 
@@ -5657,7 +5936,7 @@
           <a:lstStyle/>
           <a:p>
             <a:r>
-              <a:rPr lang="en-US" sz="2200" i="1" dirty="0" smtClean="0"/>
+              <a:rPr lang="en-US" sz="2200" i="1" dirty="0"/>
               <a:t>H</a:t>
             </a:r>
             <a:r>
@@ -5665,32 +5944,31 @@
               <a:t>1</a:t>
             </a:r>
             <a:r>
-              <a:rPr lang="en-US" sz="2200" i="1" dirty="0" smtClean="0"/>
+              <a:rPr lang="en-US" sz="2200" i="1" dirty="0"/>
               <a:t>(k) = (2</a:t>
             </a:r>
             <a:r>
-              <a:rPr lang="en-US" sz="2200" i="1" baseline="30000" dirty="0" smtClean="0"/>
+              <a:rPr lang="en-US" sz="2200" i="1" baseline="30000" dirty="0"/>
               <a:t>k</a:t>
             </a:r>
             <a:r>
-              <a:rPr lang="en-US" sz="2200" i="1" dirty="0" smtClean="0"/>
+              <a:rPr lang="en-US" sz="2200" i="1" dirty="0"/>
               <a:t>) % M</a:t>
             </a:r>
           </a:p>
           <a:p>
             <a:r>
-              <a:rPr lang="en-US" sz="2200" i="1" dirty="0" smtClean="0"/>
+              <a:rPr lang="en-US" sz="2200" i="1" dirty="0"/>
               <a:t>H</a:t>
             </a:r>
             <a:r>
-              <a:rPr lang="en-US" sz="2200" i="1" baseline="-25000" dirty="0" smtClean="0"/>
+              <a:rPr lang="en-US" sz="2200" i="1" baseline="-25000" dirty="0"/>
               <a:t>2</a:t>
             </a:r>
             <a:r>
-              <a:rPr lang="en-US" sz="2200" i="1" dirty="0" smtClean="0"/>
+              <a:rPr lang="en-US" sz="2200" i="1" dirty="0"/>
               <a:t>(k) = (k + 1) % M</a:t>
             </a:r>
-            <a:endParaRPr lang="en-US" sz="2200" i="1" dirty="0"/>
           </a:p>
         </p:txBody>
       </p:sp>
@@ -5703,7 +5981,7 @@
           <p:nvPr>
             <p:extLst>
               <p:ext uri="{D42A27DB-BD31-4B8C-83A1-F6EECF244321}">
-                <p14:modId xmlns:p14="http://schemas.microsoft.com/office/powerpoint/2010/main" val="2184763133"/>
+                <p14:modId xmlns:p14="http://schemas.microsoft.com/office/powerpoint/2010/main" val="2503253297"/>
               </p:ext>
             </p:extLst>
           </p:nvPr>
@@ -5719,7 +5997,13 @@
                 <a:tableStyleId>{5940675A-B579-460E-94D1-54222C63F5DA}</a:tableStyleId>
               </a:tblPr>
               <a:tblGrid>
-                <a:gridCol w="1105647"/>
+                <a:gridCol w="1105647">
+                  <a:extLst>
+                    <a:ext uri="{9D8B030D-6E8A-4147-A177-3AD203B41FA5}">
+                      <a16:colId xmlns:a16="http://schemas.microsoft.com/office/drawing/2014/main" val="20000"/>
+                    </a:ext>
+                  </a:extLst>
+                </a:gridCol>
               </a:tblGrid>
               <a:tr h="903941">
                 <a:tc>
@@ -5732,6 +6016,11 @@
                   </a:txBody>
                   <a:tcPr/>
                 </a:tc>
+                <a:extLst>
+                  <a:ext uri="{0D108BD9-81ED-4DB2-BD59-A6C34878D82A}">
+                    <a16:rowId xmlns:a16="http://schemas.microsoft.com/office/drawing/2014/main" val="10000"/>
+                  </a:ext>
+                </a:extLst>
               </a:tr>
               <a:tr h="903941">
                 <a:tc>
@@ -5741,22 +6030,22 @@
                     <a:p>
                       <a:pPr algn="ctr"/>
                       <a:r>
-                        <a:rPr lang="en-US" sz="3200" dirty="0" smtClean="0">
+                        <a:rPr lang="en-US" sz="3200" dirty="0">
                           <a:solidFill>
                             <a:schemeClr val="tx1"/>
                           </a:solidFill>
                         </a:rPr>
                         <a:t>0</a:t>
                       </a:r>
-                      <a:endParaRPr lang="en-US" sz="3200" dirty="0">
-                        <a:solidFill>
-                          <a:schemeClr val="tx1"/>
-                        </a:solidFill>
-                      </a:endParaRPr>
-                    </a:p>
-                  </a:txBody>
-                  <a:tcPr/>
-                </a:tc>
+                    </a:p>
+                  </a:txBody>
+                  <a:tcPr/>
+                </a:tc>
+                <a:extLst>
+                  <a:ext uri="{0D108BD9-81ED-4DB2-BD59-A6C34878D82A}">
+                    <a16:rowId xmlns:a16="http://schemas.microsoft.com/office/drawing/2014/main" val="10001"/>
+                  </a:ext>
+                </a:extLst>
               </a:tr>
               <a:tr h="903941">
                 <a:tc>
@@ -5782,7 +6071,7 @@
                         <a:defRPr/>
                       </a:pPr>
                       <a:r>
-                        <a:rPr kumimoji="0" lang="en-US" sz="3700" b="0" i="0" u="none" strike="noStrike" kern="1200" cap="none" spc="0" normalizeH="0" baseline="0" noProof="0" dirty="0" smtClean="0">
+                        <a:rPr kumimoji="0" lang="en-US" sz="3700" b="0" i="0" u="none" strike="noStrike" kern="1200" cap="none" spc="0" normalizeH="0" baseline="0" noProof="0" dirty="0">
                           <a:ln>
                             <a:noFill/>
                           </a:ln>
@@ -5802,6 +6091,11 @@
                   </a:txBody>
                   <a:tcPr/>
                 </a:tc>
+                <a:extLst>
+                  <a:ext uri="{0D108BD9-81ED-4DB2-BD59-A6C34878D82A}">
+                    <a16:rowId xmlns:a16="http://schemas.microsoft.com/office/drawing/2014/main" val="10002"/>
+                  </a:ext>
+                </a:extLst>
               </a:tr>
               <a:tr h="944880">
                 <a:tc>
@@ -5827,7 +6121,7 @@
                         <a:defRPr/>
                       </a:pPr>
                       <a:r>
-                        <a:rPr lang="en-US" sz="3700" dirty="0" smtClean="0">
+                        <a:rPr lang="en-US" sz="3700" dirty="0">
                           <a:solidFill>
                             <a:srgbClr val="000000"/>
                           </a:solidFill>
@@ -5841,6 +6135,11 @@
                   </a:txBody>
                   <a:tcPr/>
                 </a:tc>
+                <a:extLst>
+                  <a:ext uri="{0D108BD9-81ED-4DB2-BD59-A6C34878D82A}">
+                    <a16:rowId xmlns:a16="http://schemas.microsoft.com/office/drawing/2014/main" val="10003"/>
+                  </a:ext>
+                </a:extLst>
               </a:tr>
               <a:tr h="903941">
                 <a:tc>
@@ -5866,7 +6165,7 @@
                         <a:defRPr/>
                       </a:pPr>
                       <a:r>
-                        <a:rPr kumimoji="0" lang="en-US" sz="3700" b="0" i="0" u="none" strike="noStrike" kern="1200" cap="none" spc="0" normalizeH="0" baseline="0" noProof="0" dirty="0" smtClean="0">
+                        <a:rPr kumimoji="0" lang="en-US" sz="3700" b="0" i="0" u="none" strike="noStrike" kern="1200" cap="none" spc="0" normalizeH="0" baseline="0" noProof="0" dirty="0">
                           <a:ln>
                             <a:noFill/>
                           </a:ln>
@@ -5889,6 +6188,11 @@
                   </a:txBody>
                   <a:tcPr/>
                 </a:tc>
+                <a:extLst>
+                  <a:ext uri="{0D108BD9-81ED-4DB2-BD59-A6C34878D82A}">
+                    <a16:rowId xmlns:a16="http://schemas.microsoft.com/office/drawing/2014/main" val="10004"/>
+                  </a:ext>
+                </a:extLst>
               </a:tr>
             </a:tbl>
           </a:graphicData>
@@ -5919,7 +6223,13 @@
                 <a:tableStyleId>{2D5ABB26-0587-4C30-8999-92F81FD0307C}</a:tableStyleId>
               </a:tblPr>
               <a:tblGrid>
-                <a:gridCol w="1105647"/>
+                <a:gridCol w="1105647">
+                  <a:extLst>
+                    <a:ext uri="{9D8B030D-6E8A-4147-A177-3AD203B41FA5}">
+                      <a16:colId xmlns:a16="http://schemas.microsoft.com/office/drawing/2014/main" val="20000"/>
+                    </a:ext>
+                  </a:extLst>
+                </a:gridCol>
               </a:tblGrid>
               <a:tr h="903941">
                 <a:tc>
@@ -5929,14 +6239,18 @@
                     <a:p>
                       <a:pPr algn="r"/>
                       <a:r>
-                        <a:rPr lang="en-US" sz="3200" dirty="0" smtClean="0"/>
+                        <a:rPr lang="en-US" sz="3200" dirty="0"/>
                         <a:t>0</a:t>
                       </a:r>
-                      <a:endParaRPr lang="en-US" sz="3200" dirty="0"/>
-                    </a:p>
-                  </a:txBody>
-                  <a:tcPr/>
-                </a:tc>
+                    </a:p>
+                  </a:txBody>
+                  <a:tcPr/>
+                </a:tc>
+                <a:extLst>
+                  <a:ext uri="{0D108BD9-81ED-4DB2-BD59-A6C34878D82A}">
+                    <a16:rowId xmlns:a16="http://schemas.microsoft.com/office/drawing/2014/main" val="10000"/>
+                  </a:ext>
+                </a:extLst>
               </a:tr>
               <a:tr h="903941">
                 <a:tc>
@@ -5946,14 +6260,18 @@
                     <a:p>
                       <a:pPr algn="r"/>
                       <a:r>
-                        <a:rPr lang="en-US" sz="3200" dirty="0" smtClean="0"/>
+                        <a:rPr lang="en-US" sz="3200" dirty="0"/>
                         <a:t>1</a:t>
                       </a:r>
-                      <a:endParaRPr lang="en-US" sz="3200" dirty="0"/>
-                    </a:p>
-                  </a:txBody>
-                  <a:tcPr/>
-                </a:tc>
+                    </a:p>
+                  </a:txBody>
+                  <a:tcPr/>
+                </a:tc>
+                <a:extLst>
+                  <a:ext uri="{0D108BD9-81ED-4DB2-BD59-A6C34878D82A}">
+                    <a16:rowId xmlns:a16="http://schemas.microsoft.com/office/drawing/2014/main" val="10001"/>
+                  </a:ext>
+                </a:extLst>
               </a:tr>
               <a:tr h="903941">
                 <a:tc>
@@ -5963,14 +6281,18 @@
                     <a:p>
                       <a:pPr algn="r"/>
                       <a:r>
-                        <a:rPr lang="en-US" sz="3200" dirty="0" smtClean="0"/>
+                        <a:rPr lang="en-US" sz="3200" dirty="0"/>
                         <a:t>2</a:t>
                       </a:r>
-                      <a:endParaRPr lang="en-US" sz="3200" dirty="0"/>
-                    </a:p>
-                  </a:txBody>
-                  <a:tcPr/>
-                </a:tc>
+                    </a:p>
+                  </a:txBody>
+                  <a:tcPr/>
+                </a:tc>
+                <a:extLst>
+                  <a:ext uri="{0D108BD9-81ED-4DB2-BD59-A6C34878D82A}">
+                    <a16:rowId xmlns:a16="http://schemas.microsoft.com/office/drawing/2014/main" val="10002"/>
+                  </a:ext>
+                </a:extLst>
               </a:tr>
               <a:tr h="903941">
                 <a:tc>
@@ -5980,14 +6302,18 @@
                     <a:p>
                       <a:pPr algn="r"/>
                       <a:r>
-                        <a:rPr lang="en-US" sz="3200" dirty="0" smtClean="0"/>
+                        <a:rPr lang="en-US" sz="3200" dirty="0"/>
                         <a:t>3</a:t>
                       </a:r>
-                      <a:endParaRPr lang="en-US" sz="3200" dirty="0"/>
-                    </a:p>
-                  </a:txBody>
-                  <a:tcPr/>
-                </a:tc>
+                    </a:p>
+                  </a:txBody>
+                  <a:tcPr/>
+                </a:tc>
+                <a:extLst>
+                  <a:ext uri="{0D108BD9-81ED-4DB2-BD59-A6C34878D82A}">
+                    <a16:rowId xmlns:a16="http://schemas.microsoft.com/office/drawing/2014/main" val="10003"/>
+                  </a:ext>
+                </a:extLst>
               </a:tr>
               <a:tr h="903941">
                 <a:tc>
@@ -5997,14 +6323,18 @@
                     <a:p>
                       <a:pPr algn="r"/>
                       <a:r>
-                        <a:rPr lang="en-US" sz="3200" dirty="0" smtClean="0"/>
+                        <a:rPr lang="en-US" sz="3200" dirty="0"/>
                         <a:t>4</a:t>
                       </a:r>
-                      <a:endParaRPr lang="en-US" sz="3200" dirty="0"/>
-                    </a:p>
-                  </a:txBody>
-                  <a:tcPr/>
-                </a:tc>
+                    </a:p>
+                  </a:txBody>
+                  <a:tcPr/>
+                </a:tc>
+                <a:extLst>
+                  <a:ext uri="{0D108BD9-81ED-4DB2-BD59-A6C34878D82A}">
+                    <a16:rowId xmlns:a16="http://schemas.microsoft.com/office/drawing/2014/main" val="10004"/>
+                  </a:ext>
+                </a:extLst>
               </a:tr>
             </a:tbl>
           </a:graphicData>
@@ -6019,7 +6349,7 @@
           <p:nvPr>
             <p:extLst>
               <p:ext uri="{D42A27DB-BD31-4B8C-83A1-F6EECF244321}">
-                <p14:modId xmlns:p14="http://schemas.microsoft.com/office/powerpoint/2010/main" val="581665308"/>
+                <p14:modId xmlns:p14="http://schemas.microsoft.com/office/powerpoint/2010/main" val="1119859006"/>
               </p:ext>
             </p:extLst>
           </p:nvPr>
@@ -6035,7 +6365,13 @@
                 <a:tableStyleId>{5940675A-B579-460E-94D1-54222C63F5DA}</a:tableStyleId>
               </a:tblPr>
               <a:tblGrid>
-                <a:gridCol w="1105647"/>
+                <a:gridCol w="1105647">
+                  <a:extLst>
+                    <a:ext uri="{9D8B030D-6E8A-4147-A177-3AD203B41FA5}">
+                      <a16:colId xmlns:a16="http://schemas.microsoft.com/office/drawing/2014/main" val="20000"/>
+                    </a:ext>
+                  </a:extLst>
+                </a:gridCol>
               </a:tblGrid>
               <a:tr h="903941">
                 <a:tc>
@@ -6048,6 +6384,11 @@
                   </a:txBody>
                   <a:tcPr/>
                 </a:tc>
+                <a:extLst>
+                  <a:ext uri="{0D108BD9-81ED-4DB2-BD59-A6C34878D82A}">
+                    <a16:rowId xmlns:a16="http://schemas.microsoft.com/office/drawing/2014/main" val="10000"/>
+                  </a:ext>
+                </a:extLst>
               </a:tr>
               <a:tr h="944880">
                 <a:tc>
@@ -6072,7 +6413,7 @@
                         <a:tabLst/>
                         <a:defRPr/>
                       </a:pPr>
-                      <a:endParaRPr kumimoji="0" lang="en-US" sz="3700" b="0" i="0" u="none" strike="noStrike" kern="1200" cap="none" spc="0" normalizeH="0" baseline="0" noProof="0" dirty="0" smtClean="0">
+                      <a:endParaRPr kumimoji="0" lang="en-US" sz="3700" b="0" i="0" u="none" strike="noStrike" kern="1200" cap="none" spc="0" normalizeH="0" baseline="0" noProof="0" dirty="0">
                         <a:ln>
                           <a:noFill/>
                         </a:ln>
@@ -6093,6 +6434,11 @@
                   </a:txBody>
                   <a:tcPr/>
                 </a:tc>
+                <a:extLst>
+                  <a:ext uri="{0D108BD9-81ED-4DB2-BD59-A6C34878D82A}">
+                    <a16:rowId xmlns:a16="http://schemas.microsoft.com/office/drawing/2014/main" val="10001"/>
+                  </a:ext>
+                </a:extLst>
               </a:tr>
               <a:tr h="903941">
                 <a:tc>
@@ -6118,7 +6464,7 @@
                         <a:defRPr/>
                       </a:pPr>
                       <a:r>
-                        <a:rPr kumimoji="0" lang="en-US" sz="3700" b="0" i="0" u="none" strike="noStrike" kern="1200" cap="none" spc="0" normalizeH="0" baseline="0" noProof="0" dirty="0" smtClean="0">
+                        <a:rPr kumimoji="0" lang="en-US" sz="3700" b="0" i="0" u="none" strike="noStrike" kern="1200" cap="none" spc="0" normalizeH="0" baseline="0" noProof="0" dirty="0">
                           <a:ln>
                             <a:noFill/>
                           </a:ln>
@@ -6138,6 +6484,11 @@
                   </a:txBody>
                   <a:tcPr/>
                 </a:tc>
+                <a:extLst>
+                  <a:ext uri="{0D108BD9-81ED-4DB2-BD59-A6C34878D82A}">
+                    <a16:rowId xmlns:a16="http://schemas.microsoft.com/office/drawing/2014/main" val="10002"/>
+                  </a:ext>
+                </a:extLst>
               </a:tr>
               <a:tr h="944880">
                 <a:tc>
@@ -6162,7 +6513,7 @@
                         <a:tabLst/>
                         <a:defRPr/>
                       </a:pPr>
-                      <a:endParaRPr kumimoji="0" lang="en-US" sz="3700" b="0" i="0" u="none" strike="noStrike" kern="1200" cap="none" spc="0" normalizeH="0" baseline="0" noProof="0" dirty="0" smtClean="0">
+                      <a:endParaRPr kumimoji="0" lang="en-US" sz="3700" b="0" i="0" u="none" strike="noStrike" kern="1200" cap="none" spc="0" normalizeH="0" baseline="0" noProof="0" dirty="0">
                         <a:ln>
                           <a:noFill/>
                         </a:ln>
@@ -6183,6 +6534,11 @@
                   </a:txBody>
                   <a:tcPr/>
                 </a:tc>
+                <a:extLst>
+                  <a:ext uri="{0D108BD9-81ED-4DB2-BD59-A6C34878D82A}">
+                    <a16:rowId xmlns:a16="http://schemas.microsoft.com/office/drawing/2014/main" val="10003"/>
+                  </a:ext>
+                </a:extLst>
               </a:tr>
               <a:tr h="944880">
                 <a:tc>
@@ -6208,22 +6564,22 @@
                         <a:defRPr/>
                       </a:pPr>
                       <a:r>
-                        <a:rPr lang="en-US" sz="3700" dirty="0" smtClean="0">
+                        <a:rPr lang="en-US" sz="3700" dirty="0">
                           <a:solidFill>
                             <a:schemeClr val="tx1"/>
                           </a:solidFill>
                         </a:rPr>
                         <a:t>9</a:t>
                       </a:r>
-                      <a:endParaRPr lang="en-US" sz="3700" dirty="0" smtClean="0">
-                        <a:solidFill>
-                          <a:schemeClr val="tx1"/>
-                        </a:solidFill>
-                      </a:endParaRPr>
-                    </a:p>
-                  </a:txBody>
-                  <a:tcPr/>
-                </a:tc>
+                    </a:p>
+                  </a:txBody>
+                  <a:tcPr/>
+                </a:tc>
+                <a:extLst>
+                  <a:ext uri="{0D108BD9-81ED-4DB2-BD59-A6C34878D82A}">
+                    <a16:rowId xmlns:a16="http://schemas.microsoft.com/office/drawing/2014/main" val="10004"/>
+                  </a:ext>
+                </a:extLst>
               </a:tr>
             </a:tbl>
           </a:graphicData>
@@ -6238,7 +6594,7 @@
           <p:nvPr>
             <p:extLst>
               <p:ext uri="{D42A27DB-BD31-4B8C-83A1-F6EECF244321}">
-                <p14:modId xmlns:p14="http://schemas.microsoft.com/office/powerpoint/2010/main" val="1733567538"/>
+                <p14:modId xmlns:p14="http://schemas.microsoft.com/office/powerpoint/2010/main" val="3337131706"/>
               </p:ext>
             </p:extLst>
           </p:nvPr>
@@ -6254,7 +6610,13 @@
                 <a:tableStyleId>{2D5ABB26-0587-4C30-8999-92F81FD0307C}</a:tableStyleId>
               </a:tblPr>
               <a:tblGrid>
-                <a:gridCol w="1105647"/>
+                <a:gridCol w="1105647">
+                  <a:extLst>
+                    <a:ext uri="{9D8B030D-6E8A-4147-A177-3AD203B41FA5}">
+                      <a16:colId xmlns:a16="http://schemas.microsoft.com/office/drawing/2014/main" val="20000"/>
+                    </a:ext>
+                  </a:extLst>
+                </a:gridCol>
               </a:tblGrid>
               <a:tr h="903941">
                 <a:tc>
@@ -6264,14 +6626,18 @@
                     <a:p>
                       <a:pPr algn="l"/>
                       <a:r>
-                        <a:rPr lang="en-US" sz="3200" dirty="0" smtClean="0"/>
+                        <a:rPr lang="en-US" sz="3200" dirty="0"/>
                         <a:t>0</a:t>
                       </a:r>
-                      <a:endParaRPr lang="en-US" sz="3200" dirty="0"/>
-                    </a:p>
-                  </a:txBody>
-                  <a:tcPr/>
-                </a:tc>
+                    </a:p>
+                  </a:txBody>
+                  <a:tcPr/>
+                </a:tc>
+                <a:extLst>
+                  <a:ext uri="{0D108BD9-81ED-4DB2-BD59-A6C34878D82A}">
+                    <a16:rowId xmlns:a16="http://schemas.microsoft.com/office/drawing/2014/main" val="10000"/>
+                  </a:ext>
+                </a:extLst>
               </a:tr>
               <a:tr h="903941">
                 <a:tc>
@@ -6281,14 +6647,18 @@
                     <a:p>
                       <a:pPr algn="l"/>
                       <a:r>
-                        <a:rPr lang="en-US" sz="3200" dirty="0" smtClean="0"/>
+                        <a:rPr lang="en-US" sz="3200" dirty="0"/>
                         <a:t>1</a:t>
                       </a:r>
-                      <a:endParaRPr lang="en-US" sz="3200" dirty="0"/>
-                    </a:p>
-                  </a:txBody>
-                  <a:tcPr/>
-                </a:tc>
+                    </a:p>
+                  </a:txBody>
+                  <a:tcPr/>
+                </a:tc>
+                <a:extLst>
+                  <a:ext uri="{0D108BD9-81ED-4DB2-BD59-A6C34878D82A}">
+                    <a16:rowId xmlns:a16="http://schemas.microsoft.com/office/drawing/2014/main" val="10001"/>
+                  </a:ext>
+                </a:extLst>
               </a:tr>
               <a:tr h="903941">
                 <a:tc>
@@ -6298,14 +6668,18 @@
                     <a:p>
                       <a:pPr algn="l"/>
                       <a:r>
-                        <a:rPr lang="en-US" sz="3200" dirty="0" smtClean="0"/>
+                        <a:rPr lang="en-US" sz="3200" dirty="0"/>
                         <a:t>2</a:t>
                       </a:r>
-                      <a:endParaRPr lang="en-US" sz="3200" dirty="0"/>
-                    </a:p>
-                  </a:txBody>
-                  <a:tcPr/>
-                </a:tc>
+                    </a:p>
+                  </a:txBody>
+                  <a:tcPr/>
+                </a:tc>
+                <a:extLst>
+                  <a:ext uri="{0D108BD9-81ED-4DB2-BD59-A6C34878D82A}">
+                    <a16:rowId xmlns:a16="http://schemas.microsoft.com/office/drawing/2014/main" val="10002"/>
+                  </a:ext>
+                </a:extLst>
               </a:tr>
               <a:tr h="903941">
                 <a:tc>
@@ -6315,14 +6689,18 @@
                     <a:p>
                       <a:pPr algn="l"/>
                       <a:r>
-                        <a:rPr lang="en-US" sz="3200" dirty="0" smtClean="0"/>
+                        <a:rPr lang="en-US" sz="3200" dirty="0"/>
                         <a:t>3</a:t>
                       </a:r>
-                      <a:endParaRPr lang="en-US" sz="3200" dirty="0"/>
-                    </a:p>
-                  </a:txBody>
-                  <a:tcPr/>
-                </a:tc>
+                    </a:p>
+                  </a:txBody>
+                  <a:tcPr/>
+                </a:tc>
+                <a:extLst>
+                  <a:ext uri="{0D108BD9-81ED-4DB2-BD59-A6C34878D82A}">
+                    <a16:rowId xmlns:a16="http://schemas.microsoft.com/office/drawing/2014/main" val="10003"/>
+                  </a:ext>
+                </a:extLst>
               </a:tr>
               <a:tr h="903941">
                 <a:tc>
@@ -6332,14 +6710,18 @@
                     <a:p>
                       <a:pPr algn="l"/>
                       <a:r>
-                        <a:rPr lang="en-US" sz="3200" dirty="0" smtClean="0"/>
+                        <a:rPr lang="en-US" sz="3200" dirty="0"/>
                         <a:t>4</a:t>
                       </a:r>
-                      <a:endParaRPr lang="en-US" sz="3200" dirty="0"/>
-                    </a:p>
-                  </a:txBody>
-                  <a:tcPr/>
-                </a:tc>
+                    </a:p>
+                  </a:txBody>
+                  <a:tcPr/>
+                </a:tc>
+                <a:extLst>
+                  <a:ext uri="{0D108BD9-81ED-4DB2-BD59-A6C34878D82A}">
+                    <a16:rowId xmlns:a16="http://schemas.microsoft.com/office/drawing/2014/main" val="10004"/>
+                  </a:ext>
+                </a:extLst>
               </a:tr>
             </a:tbl>
           </a:graphicData>
@@ -6369,14 +6751,13 @@
           <a:p>
             <a:pPr algn="ctr"/>
             <a:r>
-              <a:rPr lang="en-US" dirty="0" smtClean="0"/>
+              <a:rPr lang="en-US" dirty="0"/>
               <a:t>T</a:t>
             </a:r>
             <a:r>
-              <a:rPr lang="en-US" baseline="-25000" dirty="0" smtClean="0"/>
+              <a:rPr lang="en-US" baseline="-25000" dirty="0"/>
               <a:t>1</a:t>
             </a:r>
-            <a:endParaRPr lang="en-US" baseline="-25000" dirty="0"/>
           </a:p>
         </p:txBody>
       </p:sp>
@@ -6404,7 +6785,7 @@
           <a:p>
             <a:pPr algn="ctr"/>
             <a:r>
-              <a:rPr lang="en-US" dirty="0" smtClean="0"/>
+              <a:rPr lang="en-US" dirty="0"/>
               <a:t>T</a:t>
             </a:r>
             <a:r>
@@ -6424,13 +6805,6 @@
   <p:clrMapOvr>
     <a:masterClrMapping/>
   </p:clrMapOvr>
-  <p:timing>
-    <p:tnLst>
-      <p:par>
-        <p:cTn id="1" dur="indefinite" restart="never" nodeType="tmRoot"/>
-      </p:par>
-    </p:tnLst>
-  </p:timing>
 </p:sld>
 </file>
 
@@ -6473,7 +6847,7 @@
           <a:lstStyle/>
           <a:p>
             <a:r>
-              <a:rPr lang="en-US" sz="2200" i="1" dirty="0" smtClean="0"/>
+              <a:rPr lang="en-US" sz="2200" i="1" dirty="0"/>
               <a:t>H</a:t>
             </a:r>
             <a:r>
@@ -6481,32 +6855,31 @@
               <a:t>1</a:t>
             </a:r>
             <a:r>
-              <a:rPr lang="en-US" sz="2200" i="1" dirty="0" smtClean="0"/>
+              <a:rPr lang="en-US" sz="2200" i="1" dirty="0"/>
               <a:t>(k) = (2</a:t>
             </a:r>
             <a:r>
-              <a:rPr lang="en-US" sz="2200" i="1" baseline="30000" dirty="0" smtClean="0"/>
+              <a:rPr lang="en-US" sz="2200" i="1" baseline="30000" dirty="0"/>
               <a:t>k</a:t>
             </a:r>
             <a:r>
-              <a:rPr lang="en-US" sz="2200" i="1" dirty="0" smtClean="0"/>
+              <a:rPr lang="en-US" sz="2200" i="1" dirty="0"/>
               <a:t>) % M</a:t>
             </a:r>
           </a:p>
           <a:p>
             <a:r>
-              <a:rPr lang="en-US" sz="2200" i="1" dirty="0" smtClean="0"/>
+              <a:rPr lang="en-US" sz="2200" i="1" dirty="0"/>
               <a:t>H</a:t>
             </a:r>
             <a:r>
-              <a:rPr lang="en-US" sz="2200" i="1" baseline="-25000" dirty="0" smtClean="0"/>
+              <a:rPr lang="en-US" sz="2200" i="1" baseline="-25000" dirty="0"/>
               <a:t>2</a:t>
             </a:r>
             <a:r>
-              <a:rPr lang="en-US" sz="2200" i="1" dirty="0" smtClean="0"/>
+              <a:rPr lang="en-US" sz="2200" i="1" dirty="0"/>
               <a:t>(k) = (k + 1) % M</a:t>
             </a:r>
-            <a:endParaRPr lang="en-US" sz="2200" i="1" dirty="0"/>
           </a:p>
         </p:txBody>
       </p:sp>
@@ -6535,7 +6908,13 @@
                 <a:tableStyleId>{5940675A-B579-460E-94D1-54222C63F5DA}</a:tableStyleId>
               </a:tblPr>
               <a:tblGrid>
-                <a:gridCol w="1105647"/>
+                <a:gridCol w="1105647">
+                  <a:extLst>
+                    <a:ext uri="{9D8B030D-6E8A-4147-A177-3AD203B41FA5}">
+                      <a16:colId xmlns:a16="http://schemas.microsoft.com/office/drawing/2014/main" val="20000"/>
+                    </a:ext>
+                  </a:extLst>
+                </a:gridCol>
               </a:tblGrid>
               <a:tr h="903941">
                 <a:tc>
@@ -6548,6 +6927,11 @@
                   </a:txBody>
                   <a:tcPr/>
                 </a:tc>
+                <a:extLst>
+                  <a:ext uri="{0D108BD9-81ED-4DB2-BD59-A6C34878D82A}">
+                    <a16:rowId xmlns:a16="http://schemas.microsoft.com/office/drawing/2014/main" val="10000"/>
+                  </a:ext>
+                </a:extLst>
               </a:tr>
               <a:tr h="903941">
                 <a:tc>
@@ -6557,22 +6941,22 @@
                     <a:p>
                       <a:pPr algn="ctr"/>
                       <a:r>
-                        <a:rPr lang="en-US" sz="3200" dirty="0" smtClean="0">
+                        <a:rPr lang="en-US" sz="3200" dirty="0">
                           <a:solidFill>
                             <a:schemeClr val="tx1"/>
                           </a:solidFill>
                         </a:rPr>
                         <a:t>0</a:t>
                       </a:r>
-                      <a:endParaRPr lang="en-US" sz="3200" dirty="0">
-                        <a:solidFill>
-                          <a:schemeClr val="tx1"/>
-                        </a:solidFill>
-                      </a:endParaRPr>
-                    </a:p>
-                  </a:txBody>
-                  <a:tcPr/>
-                </a:tc>
+                    </a:p>
+                  </a:txBody>
+                  <a:tcPr/>
+                </a:tc>
+                <a:extLst>
+                  <a:ext uri="{0D108BD9-81ED-4DB2-BD59-A6C34878D82A}">
+                    <a16:rowId xmlns:a16="http://schemas.microsoft.com/office/drawing/2014/main" val="10001"/>
+                  </a:ext>
+                </a:extLst>
               </a:tr>
               <a:tr h="903941">
                 <a:tc>
@@ -6598,7 +6982,7 @@
                         <a:defRPr/>
                       </a:pPr>
                       <a:r>
-                        <a:rPr kumimoji="0" lang="en-US" sz="3700" b="0" i="0" u="none" strike="noStrike" kern="1200" cap="none" spc="0" normalizeH="0" baseline="0" noProof="0" dirty="0" smtClean="0">
+                        <a:rPr kumimoji="0" lang="en-US" sz="3700" b="0" i="0" u="none" strike="noStrike" kern="1200" cap="none" spc="0" normalizeH="0" baseline="0" noProof="0" dirty="0">
                           <a:ln>
                             <a:noFill/>
                           </a:ln>
@@ -6618,6 +7002,11 @@
                   </a:txBody>
                   <a:tcPr/>
                 </a:tc>
+                <a:extLst>
+                  <a:ext uri="{0D108BD9-81ED-4DB2-BD59-A6C34878D82A}">
+                    <a16:rowId xmlns:a16="http://schemas.microsoft.com/office/drawing/2014/main" val="10002"/>
+                  </a:ext>
+                </a:extLst>
               </a:tr>
               <a:tr h="944880">
                 <a:tc>
@@ -6643,7 +7032,7 @@
                         <a:defRPr/>
                       </a:pPr>
                       <a:r>
-                        <a:rPr lang="en-US" sz="3700" dirty="0" smtClean="0">
+                        <a:rPr lang="en-US" sz="3700" dirty="0">
                           <a:solidFill>
                             <a:srgbClr val="000000"/>
                           </a:solidFill>
@@ -6657,6 +7046,11 @@
                   </a:txBody>
                   <a:tcPr/>
                 </a:tc>
+                <a:extLst>
+                  <a:ext uri="{0D108BD9-81ED-4DB2-BD59-A6C34878D82A}">
+                    <a16:rowId xmlns:a16="http://schemas.microsoft.com/office/drawing/2014/main" val="10003"/>
+                  </a:ext>
+                </a:extLst>
               </a:tr>
               <a:tr h="903941">
                 <a:tc>
@@ -6682,7 +7076,7 @@
                         <a:defRPr/>
                       </a:pPr>
                       <a:r>
-                        <a:rPr kumimoji="0" lang="en-US" sz="3700" b="0" i="0" u="none" strike="noStrike" kern="1200" cap="none" spc="0" normalizeH="0" baseline="0" noProof="0" dirty="0" smtClean="0">
+                        <a:rPr kumimoji="0" lang="en-US" sz="3700" b="0" i="0" u="none" strike="noStrike" kern="1200" cap="none" spc="0" normalizeH="0" baseline="0" noProof="0" dirty="0">
                           <a:ln>
                             <a:noFill/>
                           </a:ln>
@@ -6705,6 +7099,11 @@
                   </a:txBody>
                   <a:tcPr/>
                 </a:tc>
+                <a:extLst>
+                  <a:ext uri="{0D108BD9-81ED-4DB2-BD59-A6C34878D82A}">
+                    <a16:rowId xmlns:a16="http://schemas.microsoft.com/office/drawing/2014/main" val="10004"/>
+                  </a:ext>
+                </a:extLst>
               </a:tr>
             </a:tbl>
           </a:graphicData>
@@ -6735,7 +7134,13 @@
                 <a:tableStyleId>{2D5ABB26-0587-4C30-8999-92F81FD0307C}</a:tableStyleId>
               </a:tblPr>
               <a:tblGrid>
-                <a:gridCol w="1105647"/>
+                <a:gridCol w="1105647">
+                  <a:extLst>
+                    <a:ext uri="{9D8B030D-6E8A-4147-A177-3AD203B41FA5}">
+                      <a16:colId xmlns:a16="http://schemas.microsoft.com/office/drawing/2014/main" val="20000"/>
+                    </a:ext>
+                  </a:extLst>
+                </a:gridCol>
               </a:tblGrid>
               <a:tr h="903941">
                 <a:tc>
@@ -6745,14 +7150,18 @@
                     <a:p>
                       <a:pPr algn="r"/>
                       <a:r>
-                        <a:rPr lang="en-US" sz="3200" dirty="0" smtClean="0"/>
+                        <a:rPr lang="en-US" sz="3200" dirty="0"/>
                         <a:t>0</a:t>
                       </a:r>
-                      <a:endParaRPr lang="en-US" sz="3200" dirty="0"/>
-                    </a:p>
-                  </a:txBody>
-                  <a:tcPr/>
-                </a:tc>
+                    </a:p>
+                  </a:txBody>
+                  <a:tcPr/>
+                </a:tc>
+                <a:extLst>
+                  <a:ext uri="{0D108BD9-81ED-4DB2-BD59-A6C34878D82A}">
+                    <a16:rowId xmlns:a16="http://schemas.microsoft.com/office/drawing/2014/main" val="10000"/>
+                  </a:ext>
+                </a:extLst>
               </a:tr>
               <a:tr h="903941">
                 <a:tc>
@@ -6762,14 +7171,18 @@
                     <a:p>
                       <a:pPr algn="r"/>
                       <a:r>
-                        <a:rPr lang="en-US" sz="3200" dirty="0" smtClean="0"/>
+                        <a:rPr lang="en-US" sz="3200" dirty="0"/>
                         <a:t>1</a:t>
                       </a:r>
-                      <a:endParaRPr lang="en-US" sz="3200" dirty="0"/>
-                    </a:p>
-                  </a:txBody>
-                  <a:tcPr/>
-                </a:tc>
+                    </a:p>
+                  </a:txBody>
+                  <a:tcPr/>
+                </a:tc>
+                <a:extLst>
+                  <a:ext uri="{0D108BD9-81ED-4DB2-BD59-A6C34878D82A}">
+                    <a16:rowId xmlns:a16="http://schemas.microsoft.com/office/drawing/2014/main" val="10001"/>
+                  </a:ext>
+                </a:extLst>
               </a:tr>
               <a:tr h="903941">
                 <a:tc>
@@ -6779,14 +7192,18 @@
                     <a:p>
                       <a:pPr algn="r"/>
                       <a:r>
-                        <a:rPr lang="en-US" sz="3200" dirty="0" smtClean="0"/>
+                        <a:rPr lang="en-US" sz="3200" dirty="0"/>
                         <a:t>2</a:t>
                       </a:r>
-                      <a:endParaRPr lang="en-US" sz="3200" dirty="0"/>
-                    </a:p>
-                  </a:txBody>
-                  <a:tcPr/>
-                </a:tc>
+                    </a:p>
+                  </a:txBody>
+                  <a:tcPr/>
+                </a:tc>
+                <a:extLst>
+                  <a:ext uri="{0D108BD9-81ED-4DB2-BD59-A6C34878D82A}">
+                    <a16:rowId xmlns:a16="http://schemas.microsoft.com/office/drawing/2014/main" val="10002"/>
+                  </a:ext>
+                </a:extLst>
               </a:tr>
               <a:tr h="903941">
                 <a:tc>
@@ -6796,14 +7213,18 @@
                     <a:p>
                       <a:pPr algn="r"/>
                       <a:r>
-                        <a:rPr lang="en-US" sz="3200" dirty="0" smtClean="0"/>
+                        <a:rPr lang="en-US" sz="3200" dirty="0"/>
                         <a:t>3</a:t>
                       </a:r>
-                      <a:endParaRPr lang="en-US" sz="3200" dirty="0"/>
-                    </a:p>
-                  </a:txBody>
-                  <a:tcPr/>
-                </a:tc>
+                    </a:p>
+                  </a:txBody>
+                  <a:tcPr/>
+                </a:tc>
+                <a:extLst>
+                  <a:ext uri="{0D108BD9-81ED-4DB2-BD59-A6C34878D82A}">
+                    <a16:rowId xmlns:a16="http://schemas.microsoft.com/office/drawing/2014/main" val="10003"/>
+                  </a:ext>
+                </a:extLst>
               </a:tr>
               <a:tr h="903941">
                 <a:tc>
@@ -6813,14 +7234,18 @@
                     <a:p>
                       <a:pPr algn="r"/>
                       <a:r>
-                        <a:rPr lang="en-US" sz="3200" dirty="0" smtClean="0"/>
+                        <a:rPr lang="en-US" sz="3200" dirty="0"/>
                         <a:t>4</a:t>
                       </a:r>
-                      <a:endParaRPr lang="en-US" sz="3200" dirty="0"/>
-                    </a:p>
-                  </a:txBody>
-                  <a:tcPr/>
-                </a:tc>
+                    </a:p>
+                  </a:txBody>
+                  <a:tcPr/>
+                </a:tc>
+                <a:extLst>
+                  <a:ext uri="{0D108BD9-81ED-4DB2-BD59-A6C34878D82A}">
+                    <a16:rowId xmlns:a16="http://schemas.microsoft.com/office/drawing/2014/main" val="10004"/>
+                  </a:ext>
+                </a:extLst>
               </a:tr>
             </a:tbl>
           </a:graphicData>
@@ -6851,7 +7276,13 @@
                 <a:tableStyleId>{5940675A-B579-460E-94D1-54222C63F5DA}</a:tableStyleId>
               </a:tblPr>
               <a:tblGrid>
-                <a:gridCol w="1105647"/>
+                <a:gridCol w="1105647">
+                  <a:extLst>
+                    <a:ext uri="{9D8B030D-6E8A-4147-A177-3AD203B41FA5}">
+                      <a16:colId xmlns:a16="http://schemas.microsoft.com/office/drawing/2014/main" val="20000"/>
+                    </a:ext>
+                  </a:extLst>
+                </a:gridCol>
               </a:tblGrid>
               <a:tr h="903941">
                 <a:tc>
@@ -6864,6 +7295,11 @@
                   </a:txBody>
                   <a:tcPr/>
                 </a:tc>
+                <a:extLst>
+                  <a:ext uri="{0D108BD9-81ED-4DB2-BD59-A6C34878D82A}">
+                    <a16:rowId xmlns:a16="http://schemas.microsoft.com/office/drawing/2014/main" val="10000"/>
+                  </a:ext>
+                </a:extLst>
               </a:tr>
               <a:tr h="944880">
                 <a:tc>
@@ -6888,7 +7324,7 @@
                         <a:tabLst/>
                         <a:defRPr/>
                       </a:pPr>
-                      <a:endParaRPr kumimoji="0" lang="en-US" sz="3700" b="0" i="0" u="none" strike="noStrike" kern="1200" cap="none" spc="0" normalizeH="0" baseline="0" noProof="0" dirty="0" smtClean="0">
+                      <a:endParaRPr kumimoji="0" lang="en-US" sz="3700" b="0" i="0" u="none" strike="noStrike" kern="1200" cap="none" spc="0" normalizeH="0" baseline="0" noProof="0" dirty="0">
                         <a:ln>
                           <a:noFill/>
                         </a:ln>
@@ -6909,6 +7345,11 @@
                   </a:txBody>
                   <a:tcPr/>
                 </a:tc>
+                <a:extLst>
+                  <a:ext uri="{0D108BD9-81ED-4DB2-BD59-A6C34878D82A}">
+                    <a16:rowId xmlns:a16="http://schemas.microsoft.com/office/drawing/2014/main" val="10001"/>
+                  </a:ext>
+                </a:extLst>
               </a:tr>
               <a:tr h="903941">
                 <a:tc>
@@ -6934,7 +7375,7 @@
                         <a:defRPr/>
                       </a:pPr>
                       <a:r>
-                        <a:rPr kumimoji="0" lang="en-US" sz="3700" b="0" i="0" u="none" strike="noStrike" kern="1200" cap="none" spc="0" normalizeH="0" baseline="0" noProof="0" dirty="0" smtClean="0">
+                        <a:rPr kumimoji="0" lang="en-US" sz="3700" b="0" i="0" u="none" strike="noStrike" kern="1200" cap="none" spc="0" normalizeH="0" baseline="0" noProof="0" dirty="0">
                           <a:ln>
                             <a:noFill/>
                           </a:ln>
@@ -6974,6 +7415,11 @@
                   </a:txBody>
                   <a:tcPr/>
                 </a:tc>
+                <a:extLst>
+                  <a:ext uri="{0D108BD9-81ED-4DB2-BD59-A6C34878D82A}">
+                    <a16:rowId xmlns:a16="http://schemas.microsoft.com/office/drawing/2014/main" val="10002"/>
+                  </a:ext>
+                </a:extLst>
               </a:tr>
               <a:tr h="944880">
                 <a:tc>
@@ -6999,7 +7445,7 @@
                         <a:defRPr/>
                       </a:pPr>
                       <a:r>
-                        <a:rPr kumimoji="0" lang="en-US" sz="3700" b="0" i="0" u="none" strike="noStrike" kern="1200" cap="none" spc="0" normalizeH="0" baseline="0" noProof="0" dirty="0" smtClean="0">
+                        <a:rPr kumimoji="0" lang="en-US" sz="3700" b="0" i="0" u="none" strike="noStrike" kern="1200" cap="none" spc="0" normalizeH="0" baseline="0" noProof="0" dirty="0">
                           <a:ln>
                             <a:noFill/>
                           </a:ln>
@@ -7022,6 +7468,11 @@
                   </a:txBody>
                   <a:tcPr/>
                 </a:tc>
+                <a:extLst>
+                  <a:ext uri="{0D108BD9-81ED-4DB2-BD59-A6C34878D82A}">
+                    <a16:rowId xmlns:a16="http://schemas.microsoft.com/office/drawing/2014/main" val="10003"/>
+                  </a:ext>
+                </a:extLst>
               </a:tr>
               <a:tr h="944880">
                 <a:tc>
@@ -7047,7 +7498,7 @@
                         <a:defRPr/>
                       </a:pPr>
                       <a:r>
-                        <a:rPr lang="en-US" sz="3700" dirty="0" smtClean="0">
+                        <a:rPr lang="en-US" sz="3700" dirty="0">
                           <a:solidFill>
                             <a:schemeClr val="tx1"/>
                           </a:solidFill>
@@ -7061,6 +7512,11 @@
                   </a:txBody>
                   <a:tcPr/>
                 </a:tc>
+                <a:extLst>
+                  <a:ext uri="{0D108BD9-81ED-4DB2-BD59-A6C34878D82A}">
+                    <a16:rowId xmlns:a16="http://schemas.microsoft.com/office/drawing/2014/main" val="10004"/>
+                  </a:ext>
+                </a:extLst>
               </a:tr>
             </a:tbl>
           </a:graphicData>
@@ -7091,7 +7547,13 @@
                 <a:tableStyleId>{2D5ABB26-0587-4C30-8999-92F81FD0307C}</a:tableStyleId>
               </a:tblPr>
               <a:tblGrid>
-                <a:gridCol w="1105647"/>
+                <a:gridCol w="1105647">
+                  <a:extLst>
+                    <a:ext uri="{9D8B030D-6E8A-4147-A177-3AD203B41FA5}">
+                      <a16:colId xmlns:a16="http://schemas.microsoft.com/office/drawing/2014/main" val="20000"/>
+                    </a:ext>
+                  </a:extLst>
+                </a:gridCol>
               </a:tblGrid>
               <a:tr h="903941">
                 <a:tc>
@@ -7101,14 +7563,18 @@
                     <a:p>
                       <a:pPr algn="l"/>
                       <a:r>
-                        <a:rPr lang="en-US" sz="3200" dirty="0" smtClean="0"/>
+                        <a:rPr lang="en-US" sz="3200" dirty="0"/>
                         <a:t>0</a:t>
                       </a:r>
-                      <a:endParaRPr lang="en-US" sz="3200" dirty="0"/>
-                    </a:p>
-                  </a:txBody>
-                  <a:tcPr/>
-                </a:tc>
+                    </a:p>
+                  </a:txBody>
+                  <a:tcPr/>
+                </a:tc>
+                <a:extLst>
+                  <a:ext uri="{0D108BD9-81ED-4DB2-BD59-A6C34878D82A}">
+                    <a16:rowId xmlns:a16="http://schemas.microsoft.com/office/drawing/2014/main" val="10000"/>
+                  </a:ext>
+                </a:extLst>
               </a:tr>
               <a:tr h="903941">
                 <a:tc>
@@ -7118,14 +7584,18 @@
                     <a:p>
                       <a:pPr algn="l"/>
                       <a:r>
-                        <a:rPr lang="en-US" sz="3200" dirty="0" smtClean="0"/>
+                        <a:rPr lang="en-US" sz="3200" dirty="0"/>
                         <a:t>1</a:t>
                       </a:r>
-                      <a:endParaRPr lang="en-US" sz="3200" dirty="0"/>
-                    </a:p>
-                  </a:txBody>
-                  <a:tcPr/>
-                </a:tc>
+                    </a:p>
+                  </a:txBody>
+                  <a:tcPr/>
+                </a:tc>
+                <a:extLst>
+                  <a:ext uri="{0D108BD9-81ED-4DB2-BD59-A6C34878D82A}">
+                    <a16:rowId xmlns:a16="http://schemas.microsoft.com/office/drawing/2014/main" val="10001"/>
+                  </a:ext>
+                </a:extLst>
               </a:tr>
               <a:tr h="903941">
                 <a:tc>
@@ -7135,14 +7605,18 @@
                     <a:p>
                       <a:pPr algn="l"/>
                       <a:r>
-                        <a:rPr lang="en-US" sz="3200" dirty="0" smtClean="0"/>
+                        <a:rPr lang="en-US" sz="3200" dirty="0"/>
                         <a:t>2</a:t>
                       </a:r>
-                      <a:endParaRPr lang="en-US" sz="3200" dirty="0"/>
-                    </a:p>
-                  </a:txBody>
-                  <a:tcPr/>
-                </a:tc>
+                    </a:p>
+                  </a:txBody>
+                  <a:tcPr/>
+                </a:tc>
+                <a:extLst>
+                  <a:ext uri="{0D108BD9-81ED-4DB2-BD59-A6C34878D82A}">
+                    <a16:rowId xmlns:a16="http://schemas.microsoft.com/office/drawing/2014/main" val="10002"/>
+                  </a:ext>
+                </a:extLst>
               </a:tr>
               <a:tr h="903941">
                 <a:tc>
@@ -7152,14 +7626,18 @@
                     <a:p>
                       <a:pPr algn="l"/>
                       <a:r>
-                        <a:rPr lang="en-US" sz="3200" dirty="0" smtClean="0"/>
+                        <a:rPr lang="en-US" sz="3200" dirty="0"/>
                         <a:t>3</a:t>
                       </a:r>
-                      <a:endParaRPr lang="en-US" sz="3200" dirty="0"/>
-                    </a:p>
-                  </a:txBody>
-                  <a:tcPr/>
-                </a:tc>
+                    </a:p>
+                  </a:txBody>
+                  <a:tcPr/>
+                </a:tc>
+                <a:extLst>
+                  <a:ext uri="{0D108BD9-81ED-4DB2-BD59-A6C34878D82A}">
+                    <a16:rowId xmlns:a16="http://schemas.microsoft.com/office/drawing/2014/main" val="10003"/>
+                  </a:ext>
+                </a:extLst>
               </a:tr>
               <a:tr h="903941">
                 <a:tc>
@@ -7169,14 +7647,18 @@
                     <a:p>
                       <a:pPr algn="l"/>
                       <a:r>
-                        <a:rPr lang="en-US" sz="3200" dirty="0" smtClean="0"/>
+                        <a:rPr lang="en-US" sz="3200" dirty="0"/>
                         <a:t>4</a:t>
                       </a:r>
-                      <a:endParaRPr lang="en-US" sz="3200" dirty="0"/>
-                    </a:p>
-                  </a:txBody>
-                  <a:tcPr/>
-                </a:tc>
+                    </a:p>
+                  </a:txBody>
+                  <a:tcPr/>
+                </a:tc>
+                <a:extLst>
+                  <a:ext uri="{0D108BD9-81ED-4DB2-BD59-A6C34878D82A}">
+                    <a16:rowId xmlns:a16="http://schemas.microsoft.com/office/drawing/2014/main" val="10004"/>
+                  </a:ext>
+                </a:extLst>
               </a:tr>
             </a:tbl>
           </a:graphicData>
@@ -7206,14 +7688,13 @@
           <a:p>
             <a:pPr algn="ctr"/>
             <a:r>
-              <a:rPr lang="en-US" dirty="0" smtClean="0"/>
+              <a:rPr lang="en-US" dirty="0"/>
               <a:t>T</a:t>
             </a:r>
             <a:r>
-              <a:rPr lang="en-US" baseline="-25000" dirty="0" smtClean="0"/>
+              <a:rPr lang="en-US" baseline="-25000" dirty="0"/>
               <a:t>1</a:t>
             </a:r>
-            <a:endParaRPr lang="en-US" baseline="-25000" dirty="0"/>
           </a:p>
         </p:txBody>
       </p:sp>
@@ -7241,7 +7722,7 @@
           <a:p>
             <a:pPr algn="ctr"/>
             <a:r>
-              <a:rPr lang="en-US" dirty="0" smtClean="0"/>
+              <a:rPr lang="en-US" dirty="0"/>
               <a:t>T</a:t>
             </a:r>
             <a:r>
@@ -7261,13 +7742,6 @@
   <p:clrMapOvr>
     <a:masterClrMapping/>
   </p:clrMapOvr>
-  <p:timing>
-    <p:tnLst>
-      <p:par>
-        <p:cTn id="1" dur="indefinite" restart="never" nodeType="tmRoot"/>
-      </p:par>
-    </p:tnLst>
-  </p:timing>
 </p:sld>
 </file>
 
